--- a/demofigs.pptx
+++ b/demofigs.pptx
@@ -9,6 +9,7 @@
     <p:sldId id="257" r:id="rId3"/>
     <p:sldId id="258" r:id="rId4"/>
     <p:sldId id="259" r:id="rId5"/>
+    <p:sldId id="260" r:id="rId6"/>
   </p:sldIdLst>
   <p:sldSz cx="9144000" cy="6858000" type="screen4x3"/>
   <p:notesSz cx="6858000" cy="9144000"/>
@@ -7136,7 +7137,7 @@
           <p:nvPr>
             <p:extLst>
               <p:ext uri="{D42A27DB-BD31-4B8C-83A1-F6EECF244321}">
-                <p14:modId xmlns:p14="http://schemas.microsoft.com/office/powerpoint/2010/main" val="637367535"/>
+                <p14:modId xmlns:p14="http://schemas.microsoft.com/office/powerpoint/2010/main" val="2184151123"/>
               </p:ext>
             </p:extLst>
           </p:nvPr>
@@ -7710,6 +7711,936 @@
     <p:extLst>
       <p:ext uri="{BB962C8B-B14F-4D97-AF65-F5344CB8AC3E}">
         <p14:creationId xmlns:p14="http://schemas.microsoft.com/office/powerpoint/2010/main" val="3743434953"/>
+      </p:ext>
+    </p:extLst>
+  </p:cSld>
+  <p:clrMapOvr>
+    <a:masterClrMapping/>
+  </p:clrMapOvr>
+</p:sld>
+</file>
+
+<file path=ppt/slides/slide5.xml><?xml version="1.0" encoding="utf-8"?>
+<p:sld xmlns:a="http://schemas.openxmlformats.org/drawingml/2006/main" xmlns:r="http://schemas.openxmlformats.org/officeDocument/2006/relationships" xmlns:p="http://schemas.openxmlformats.org/presentationml/2006/main">
+  <p:cSld>
+    <p:spTree>
+      <p:nvGrpSpPr>
+        <p:cNvPr id="1" name=""/>
+        <p:cNvGrpSpPr/>
+        <p:nvPr/>
+      </p:nvGrpSpPr>
+      <p:grpSpPr>
+        <a:xfrm>
+          <a:off x="0" y="0"/>
+          <a:ext cx="0" cy="0"/>
+          <a:chOff x="0" y="0"/>
+          <a:chExt cx="0" cy="0"/>
+        </a:xfrm>
+      </p:grpSpPr>
+      <p:grpSp>
+        <p:nvGrpSpPr>
+          <p:cNvPr id="27" name="Group 26"/>
+          <p:cNvGrpSpPr/>
+          <p:nvPr/>
+        </p:nvGrpSpPr>
+        <p:grpSpPr>
+          <a:xfrm>
+            <a:off x="1662843" y="1385268"/>
+            <a:ext cx="6075269" cy="2909575"/>
+            <a:chOff x="1662843" y="1385268"/>
+            <a:chExt cx="6075269" cy="2909575"/>
+          </a:xfrm>
+        </p:grpSpPr>
+        <p:grpSp>
+          <p:nvGrpSpPr>
+            <p:cNvPr id="4" name="Group 3"/>
+            <p:cNvGrpSpPr/>
+            <p:nvPr/>
+          </p:nvGrpSpPr>
+          <p:grpSpPr>
+            <a:xfrm>
+              <a:off x="1662843" y="1385268"/>
+              <a:ext cx="6075269" cy="2909575"/>
+              <a:chOff x="1662843" y="1385268"/>
+              <a:chExt cx="6075269" cy="2909575"/>
+            </a:xfrm>
+          </p:grpSpPr>
+          <p:grpSp>
+            <p:nvGrpSpPr>
+              <p:cNvPr id="5" name="Group 4"/>
+              <p:cNvGrpSpPr/>
+              <p:nvPr/>
+            </p:nvGrpSpPr>
+            <p:grpSpPr>
+              <a:xfrm>
+                <a:off x="1662843" y="1385268"/>
+                <a:ext cx="6075269" cy="2909575"/>
+                <a:chOff x="1662843" y="1385268"/>
+                <a:chExt cx="6075269" cy="2237241"/>
+              </a:xfrm>
+            </p:grpSpPr>
+            <p:sp>
+              <p:nvSpPr>
+                <p:cNvPr id="20" name="Rectangle 19"/>
+                <p:cNvSpPr/>
+                <p:nvPr/>
+              </p:nvSpPr>
+              <p:spPr>
+                <a:xfrm>
+                  <a:off x="1662843" y="1387968"/>
+                  <a:ext cx="6075269" cy="366632"/>
+                </a:xfrm>
+                <a:prstGeom prst="rect">
+                  <a:avLst/>
+                </a:prstGeom>
+                <a:solidFill>
+                  <a:schemeClr val="tx1">
+                    <a:lumMod val="85000"/>
+                    <a:lumOff val="15000"/>
+                  </a:schemeClr>
+                </a:solidFill>
+                <a:ln>
+                  <a:noFill/>
+                </a:ln>
+                <a:effectLst/>
+              </p:spPr>
+              <p:style>
+                <a:lnRef idx="1">
+                  <a:schemeClr val="accent1"/>
+                </a:lnRef>
+                <a:fillRef idx="3">
+                  <a:schemeClr val="accent1"/>
+                </a:fillRef>
+                <a:effectRef idx="2">
+                  <a:schemeClr val="accent1"/>
+                </a:effectRef>
+                <a:fontRef idx="minor">
+                  <a:schemeClr val="lt1"/>
+                </a:fontRef>
+              </p:style>
+              <p:txBody>
+                <a:bodyPr rtlCol="0" anchor="ctr"/>
+                <a:lstStyle/>
+                <a:p>
+                  <a:pPr algn="ctr"/>
+                  <a:endParaRPr lang="en-US"/>
+                </a:p>
+              </p:txBody>
+            </p:sp>
+            <p:sp>
+              <p:nvSpPr>
+                <p:cNvPr id="21" name="TextBox 20"/>
+                <p:cNvSpPr txBox="1"/>
+                <p:nvPr/>
+              </p:nvSpPr>
+              <p:spPr>
+                <a:xfrm>
+                  <a:off x="3666110" y="1428866"/>
+                  <a:ext cx="2065471" cy="283988"/>
+                </a:xfrm>
+                <a:prstGeom prst="rect">
+                  <a:avLst/>
+                </a:prstGeom>
+                <a:noFill/>
+              </p:spPr>
+              <p:txBody>
+                <a:bodyPr wrap="none" rtlCol="0">
+                  <a:spAutoFit/>
+                </a:bodyPr>
+                <a:lstStyle/>
+                <a:p>
+                  <a:r>
+                    <a:rPr lang="en-US" dirty="0" smtClean="0">
+                      <a:solidFill>
+                        <a:schemeClr val="bg1"/>
+                      </a:solidFill>
+                      <a:latin typeface="Helvetica Neue Thin"/>
+                      <a:cs typeface="Helvetica Neue Thin"/>
+                    </a:rPr>
+                    <a:t>Model Performance </a:t>
+                  </a:r>
+                  <a:endParaRPr lang="en-US" dirty="0">
+                    <a:solidFill>
+                      <a:schemeClr val="bg1"/>
+                    </a:solidFill>
+                    <a:latin typeface="Helvetica Neue Thin"/>
+                    <a:cs typeface="Helvetica Neue Thin"/>
+                  </a:endParaRPr>
+                </a:p>
+              </p:txBody>
+            </p:sp>
+            <p:sp>
+              <p:nvSpPr>
+                <p:cNvPr id="22" name="Rectangle 21"/>
+                <p:cNvSpPr/>
+                <p:nvPr/>
+              </p:nvSpPr>
+              <p:spPr>
+                <a:xfrm>
+                  <a:off x="1662843" y="1385268"/>
+                  <a:ext cx="6075269" cy="2237241"/>
+                </a:xfrm>
+                <a:prstGeom prst="rect">
+                  <a:avLst/>
+                </a:prstGeom>
+                <a:noFill/>
+                <a:ln w="34925">
+                  <a:solidFill>
+                    <a:schemeClr val="tx1">
+                      <a:lumMod val="50000"/>
+                      <a:lumOff val="50000"/>
+                    </a:schemeClr>
+                  </a:solidFill>
+                </a:ln>
+                <a:effectLst/>
+              </p:spPr>
+              <p:style>
+                <a:lnRef idx="1">
+                  <a:schemeClr val="accent1"/>
+                </a:lnRef>
+                <a:fillRef idx="3">
+                  <a:schemeClr val="accent1"/>
+                </a:fillRef>
+                <a:effectRef idx="2">
+                  <a:schemeClr val="accent1"/>
+                </a:effectRef>
+                <a:fontRef idx="minor">
+                  <a:schemeClr val="lt1"/>
+                </a:fontRef>
+              </p:style>
+              <p:txBody>
+                <a:bodyPr rtlCol="0" anchor="ctr"/>
+                <a:lstStyle/>
+                <a:p>
+                  <a:pPr algn="ctr"/>
+                  <a:endParaRPr lang="en-US"/>
+                </a:p>
+              </p:txBody>
+            </p:sp>
+          </p:grpSp>
+          <p:sp>
+            <p:nvSpPr>
+              <p:cNvPr id="7" name="TextBox 6"/>
+              <p:cNvSpPr txBox="1"/>
+              <p:nvPr/>
+            </p:nvSpPr>
+            <p:spPr>
+              <a:xfrm>
+                <a:off x="1819961" y="2059671"/>
+                <a:ext cx="3490296" cy="369332"/>
+              </a:xfrm>
+              <a:prstGeom prst="rect">
+                <a:avLst/>
+              </a:prstGeom>
+              <a:noFill/>
+            </p:spPr>
+            <p:txBody>
+              <a:bodyPr wrap="none" rtlCol="0">
+                <a:spAutoFit/>
+              </a:bodyPr>
+              <a:lstStyle/>
+              <a:p>
+                <a:r>
+                  <a:rPr lang="en-US" dirty="0" smtClean="0">
+                    <a:latin typeface="Helvetica"/>
+                    <a:cs typeface="Helvetica"/>
+                  </a:rPr>
+                  <a:t>Cross-Validation Accuracy: </a:t>
+                </a:r>
+                <a:r>
+                  <a:rPr lang="en-US" i="1" u="sng" dirty="0" smtClean="0">
+                    <a:solidFill>
+                      <a:srgbClr val="FF0000"/>
+                    </a:solidFill>
+                    <a:latin typeface="Helvetica"/>
+                    <a:cs typeface="Helvetica"/>
+                  </a:rPr>
+                  <a:t>79%</a:t>
+                </a:r>
+                <a:endParaRPr lang="en-US" i="1" u="sng" dirty="0">
+                  <a:solidFill>
+                    <a:srgbClr val="FF0000"/>
+                  </a:solidFill>
+                  <a:latin typeface="Helvetica"/>
+                  <a:cs typeface="Helvetica"/>
+                </a:endParaRPr>
+              </a:p>
+            </p:txBody>
+          </p:sp>
+          <p:sp>
+            <p:nvSpPr>
+              <p:cNvPr id="8" name="Rectangle 7"/>
+              <p:cNvSpPr/>
+              <p:nvPr/>
+            </p:nvSpPr>
+            <p:spPr>
+              <a:xfrm>
+                <a:off x="2547221" y="3166996"/>
+                <a:ext cx="961002" cy="615420"/>
+              </a:xfrm>
+              <a:prstGeom prst="rect">
+                <a:avLst/>
+              </a:prstGeom>
+              <a:solidFill>
+                <a:schemeClr val="accent1">
+                  <a:lumMod val="50000"/>
+                </a:schemeClr>
+              </a:solidFill>
+              <a:ln>
+                <a:solidFill>
+                  <a:schemeClr val="accent1">
+                    <a:lumMod val="50000"/>
+                  </a:schemeClr>
+                </a:solidFill>
+              </a:ln>
+              <a:effectLst/>
+            </p:spPr>
+            <p:style>
+              <a:lnRef idx="1">
+                <a:schemeClr val="accent1"/>
+              </a:lnRef>
+              <a:fillRef idx="3">
+                <a:schemeClr val="accent1"/>
+              </a:fillRef>
+              <a:effectRef idx="2">
+                <a:schemeClr val="accent1"/>
+              </a:effectRef>
+              <a:fontRef idx="minor">
+                <a:schemeClr val="lt1"/>
+              </a:fontRef>
+            </p:style>
+            <p:txBody>
+              <a:bodyPr rtlCol="0" anchor="ctr"/>
+              <a:lstStyle/>
+              <a:p>
+                <a:pPr algn="ctr"/>
+                <a:endParaRPr lang="en-US"/>
+              </a:p>
+            </p:txBody>
+          </p:sp>
+          <p:sp>
+            <p:nvSpPr>
+              <p:cNvPr id="9" name="Rectangle 8"/>
+              <p:cNvSpPr/>
+              <p:nvPr/>
+            </p:nvSpPr>
+            <p:spPr>
+              <a:xfrm>
+                <a:off x="3582065" y="2970586"/>
+                <a:ext cx="961002" cy="811830"/>
+              </a:xfrm>
+              <a:prstGeom prst="rect">
+                <a:avLst/>
+              </a:prstGeom>
+              <a:solidFill>
+                <a:schemeClr val="accent1">
+                  <a:lumMod val="50000"/>
+                </a:schemeClr>
+              </a:solidFill>
+              <a:ln>
+                <a:solidFill>
+                  <a:schemeClr val="accent1">
+                    <a:lumMod val="50000"/>
+                  </a:schemeClr>
+                </a:solidFill>
+              </a:ln>
+              <a:effectLst/>
+            </p:spPr>
+            <p:style>
+              <a:lnRef idx="1">
+                <a:schemeClr val="accent1"/>
+              </a:lnRef>
+              <a:fillRef idx="3">
+                <a:schemeClr val="accent1"/>
+              </a:fillRef>
+              <a:effectRef idx="2">
+                <a:schemeClr val="accent1"/>
+              </a:effectRef>
+              <a:fontRef idx="minor">
+                <a:schemeClr val="lt1"/>
+              </a:fontRef>
+            </p:style>
+            <p:txBody>
+              <a:bodyPr rtlCol="0" anchor="ctr"/>
+              <a:lstStyle/>
+              <a:p>
+                <a:pPr algn="ctr"/>
+                <a:endParaRPr lang="en-US"/>
+              </a:p>
+            </p:txBody>
+          </p:sp>
+          <p:sp>
+            <p:nvSpPr>
+              <p:cNvPr id="10" name="Rectangle 9"/>
+              <p:cNvSpPr/>
+              <p:nvPr/>
+            </p:nvSpPr>
+            <p:spPr>
+              <a:xfrm>
+                <a:off x="4616908" y="3166996"/>
+                <a:ext cx="961002" cy="615420"/>
+              </a:xfrm>
+              <a:prstGeom prst="rect">
+                <a:avLst/>
+              </a:prstGeom>
+              <a:solidFill>
+                <a:schemeClr val="accent1">
+                  <a:lumMod val="50000"/>
+                </a:schemeClr>
+              </a:solidFill>
+              <a:ln>
+                <a:solidFill>
+                  <a:schemeClr val="accent1">
+                    <a:lumMod val="50000"/>
+                  </a:schemeClr>
+                </a:solidFill>
+              </a:ln>
+              <a:effectLst/>
+            </p:spPr>
+            <p:style>
+              <a:lnRef idx="1">
+                <a:schemeClr val="accent1"/>
+              </a:lnRef>
+              <a:fillRef idx="3">
+                <a:schemeClr val="accent1"/>
+              </a:fillRef>
+              <a:effectRef idx="2">
+                <a:schemeClr val="accent1"/>
+              </a:effectRef>
+              <a:fontRef idx="minor">
+                <a:schemeClr val="lt1"/>
+              </a:fontRef>
+            </p:style>
+            <p:txBody>
+              <a:bodyPr rtlCol="0" anchor="ctr"/>
+              <a:lstStyle/>
+              <a:p>
+                <a:pPr algn="ctr"/>
+                <a:endParaRPr lang="en-US"/>
+              </a:p>
+            </p:txBody>
+          </p:sp>
+          <p:sp>
+            <p:nvSpPr>
+              <p:cNvPr id="11" name="Rectangle 10"/>
+              <p:cNvSpPr/>
+              <p:nvPr/>
+            </p:nvSpPr>
+            <p:spPr>
+              <a:xfrm>
+                <a:off x="5643375" y="3062244"/>
+                <a:ext cx="961002" cy="720172"/>
+              </a:xfrm>
+              <a:prstGeom prst="rect">
+                <a:avLst/>
+              </a:prstGeom>
+              <a:solidFill>
+                <a:schemeClr val="accent1">
+                  <a:lumMod val="50000"/>
+                </a:schemeClr>
+              </a:solidFill>
+              <a:ln>
+                <a:solidFill>
+                  <a:schemeClr val="accent1">
+                    <a:lumMod val="50000"/>
+                  </a:schemeClr>
+                </a:solidFill>
+              </a:ln>
+              <a:effectLst/>
+            </p:spPr>
+            <p:style>
+              <a:lnRef idx="1">
+                <a:schemeClr val="accent1"/>
+              </a:lnRef>
+              <a:fillRef idx="3">
+                <a:schemeClr val="accent1"/>
+              </a:fillRef>
+              <a:effectRef idx="2">
+                <a:schemeClr val="accent1"/>
+              </a:effectRef>
+              <a:fontRef idx="minor">
+                <a:schemeClr val="lt1"/>
+              </a:fontRef>
+            </p:style>
+            <p:txBody>
+              <a:bodyPr rtlCol="0" anchor="ctr"/>
+              <a:lstStyle/>
+              <a:p>
+                <a:pPr algn="ctr"/>
+                <a:endParaRPr lang="en-US"/>
+              </a:p>
+            </p:txBody>
+          </p:sp>
+          <p:cxnSp>
+            <p:nvCxnSpPr>
+              <p:cNvPr id="12" name="Straight Connector 11"/>
+              <p:cNvCxnSpPr/>
+              <p:nvPr/>
+            </p:nvCxnSpPr>
+            <p:spPr>
+              <a:xfrm>
+                <a:off x="2547221" y="2617047"/>
+                <a:ext cx="0" cy="1165369"/>
+              </a:xfrm>
+              <a:prstGeom prst="line">
+                <a:avLst/>
+              </a:prstGeom>
+              <a:ln>
+                <a:solidFill>
+                  <a:schemeClr val="tx1"/>
+                </a:solidFill>
+              </a:ln>
+              <a:effectLst/>
+            </p:spPr>
+            <p:style>
+              <a:lnRef idx="2">
+                <a:schemeClr val="accent1"/>
+              </a:lnRef>
+              <a:fillRef idx="0">
+                <a:schemeClr val="accent1"/>
+              </a:fillRef>
+              <a:effectRef idx="1">
+                <a:schemeClr val="accent1"/>
+              </a:effectRef>
+              <a:fontRef idx="minor">
+                <a:schemeClr val="tx1"/>
+              </a:fontRef>
+            </p:style>
+          </p:cxnSp>
+          <p:cxnSp>
+            <p:nvCxnSpPr>
+              <p:cNvPr id="13" name="Straight Connector 12"/>
+              <p:cNvCxnSpPr/>
+              <p:nvPr/>
+            </p:nvCxnSpPr>
+            <p:spPr>
+              <a:xfrm flipH="1">
+                <a:off x="2547221" y="3782416"/>
+                <a:ext cx="4261270" cy="0"/>
+              </a:xfrm>
+              <a:prstGeom prst="line">
+                <a:avLst/>
+              </a:prstGeom>
+              <a:ln>
+                <a:solidFill>
+                  <a:schemeClr val="tx1"/>
+                </a:solidFill>
+              </a:ln>
+              <a:effectLst/>
+            </p:spPr>
+            <p:style>
+              <a:lnRef idx="2">
+                <a:schemeClr val="accent1"/>
+              </a:lnRef>
+              <a:fillRef idx="0">
+                <a:schemeClr val="accent1"/>
+              </a:fillRef>
+              <a:effectRef idx="1">
+                <a:schemeClr val="accent1"/>
+              </a:effectRef>
+              <a:fontRef idx="minor">
+                <a:schemeClr val="tx1"/>
+              </a:fontRef>
+            </p:style>
+          </p:cxnSp>
+          <p:sp>
+            <p:nvSpPr>
+              <p:cNvPr id="14" name="TextBox 13"/>
+              <p:cNvSpPr txBox="1"/>
+              <p:nvPr/>
+            </p:nvSpPr>
+            <p:spPr>
+              <a:xfrm>
+                <a:off x="1976651" y="2969236"/>
+                <a:ext cx="646669" cy="369332"/>
+              </a:xfrm>
+              <a:prstGeom prst="rect">
+                <a:avLst/>
+              </a:prstGeom>
+              <a:noFill/>
+            </p:spPr>
+            <p:txBody>
+              <a:bodyPr wrap="none" rtlCol="0">
+                <a:spAutoFit/>
+              </a:bodyPr>
+              <a:lstStyle/>
+              <a:p>
+                <a:r>
+                  <a:rPr lang="en-US" dirty="0" smtClean="0">
+                    <a:latin typeface="Helvetica"/>
+                    <a:cs typeface="Helvetica"/>
+                  </a:rPr>
+                  <a:t>75%</a:t>
+                </a:r>
+                <a:endParaRPr lang="en-US" dirty="0">
+                  <a:latin typeface="Helvetica"/>
+                  <a:cs typeface="Helvetica"/>
+                </a:endParaRPr>
+              </a:p>
+            </p:txBody>
+          </p:sp>
+          <p:sp>
+            <p:nvSpPr>
+              <p:cNvPr id="15" name="TextBox 14"/>
+              <p:cNvSpPr txBox="1"/>
+              <p:nvPr/>
+            </p:nvSpPr>
+            <p:spPr>
+              <a:xfrm>
+                <a:off x="2848248" y="3769322"/>
+                <a:ext cx="313044" cy="369332"/>
+              </a:xfrm>
+              <a:prstGeom prst="rect">
+                <a:avLst/>
+              </a:prstGeom>
+              <a:noFill/>
+            </p:spPr>
+            <p:txBody>
+              <a:bodyPr wrap="none" rtlCol="0">
+                <a:spAutoFit/>
+              </a:bodyPr>
+              <a:lstStyle/>
+              <a:p>
+                <a:r>
+                  <a:rPr lang="en-US" dirty="0" smtClean="0">
+                    <a:latin typeface="Helvetica"/>
+                    <a:cs typeface="Helvetica"/>
+                  </a:rPr>
+                  <a:t>1</a:t>
+                </a:r>
+                <a:endParaRPr lang="en-US" dirty="0">
+                  <a:latin typeface="Helvetica"/>
+                  <a:cs typeface="Helvetica"/>
+                </a:endParaRPr>
+              </a:p>
+            </p:txBody>
+          </p:sp>
+          <p:sp>
+            <p:nvSpPr>
+              <p:cNvPr id="16" name="TextBox 15"/>
+              <p:cNvSpPr txBox="1"/>
+              <p:nvPr/>
+            </p:nvSpPr>
+            <p:spPr>
+              <a:xfrm>
+                <a:off x="3904083" y="3782416"/>
+                <a:ext cx="313044" cy="369332"/>
+              </a:xfrm>
+              <a:prstGeom prst="rect">
+                <a:avLst/>
+              </a:prstGeom>
+              <a:noFill/>
+            </p:spPr>
+            <p:txBody>
+              <a:bodyPr wrap="none" rtlCol="0">
+                <a:spAutoFit/>
+              </a:bodyPr>
+              <a:lstStyle/>
+              <a:p>
+                <a:r>
+                  <a:rPr lang="en-US" dirty="0" smtClean="0">
+                    <a:latin typeface="Helvetica"/>
+                    <a:cs typeface="Helvetica"/>
+                  </a:rPr>
+                  <a:t>2</a:t>
+                </a:r>
+                <a:endParaRPr lang="en-US" dirty="0">
+                  <a:latin typeface="Helvetica"/>
+                  <a:cs typeface="Helvetica"/>
+                </a:endParaRPr>
+              </a:p>
+            </p:txBody>
+          </p:sp>
+          <p:sp>
+            <p:nvSpPr>
+              <p:cNvPr id="17" name="TextBox 16"/>
+              <p:cNvSpPr txBox="1"/>
+              <p:nvPr/>
+            </p:nvSpPr>
+            <p:spPr>
+              <a:xfrm>
+                <a:off x="4997213" y="3756228"/>
+                <a:ext cx="313044" cy="369332"/>
+              </a:xfrm>
+              <a:prstGeom prst="rect">
+                <a:avLst/>
+              </a:prstGeom>
+              <a:noFill/>
+            </p:spPr>
+            <p:txBody>
+              <a:bodyPr wrap="none" rtlCol="0">
+                <a:spAutoFit/>
+              </a:bodyPr>
+              <a:lstStyle/>
+              <a:p>
+                <a:r>
+                  <a:rPr lang="en-US" dirty="0" smtClean="0">
+                    <a:latin typeface="Helvetica"/>
+                    <a:cs typeface="Helvetica"/>
+                  </a:rPr>
+                  <a:t>3</a:t>
+                </a:r>
+                <a:endParaRPr lang="en-US" dirty="0">
+                  <a:latin typeface="Helvetica"/>
+                  <a:cs typeface="Helvetica"/>
+                </a:endParaRPr>
+              </a:p>
+            </p:txBody>
+          </p:sp>
+          <p:sp>
+            <p:nvSpPr>
+              <p:cNvPr id="18" name="TextBox 17"/>
+              <p:cNvSpPr txBox="1"/>
+              <p:nvPr/>
+            </p:nvSpPr>
+            <p:spPr>
+              <a:xfrm>
+                <a:off x="6000674" y="3751500"/>
+                <a:ext cx="313044" cy="369332"/>
+              </a:xfrm>
+              <a:prstGeom prst="rect">
+                <a:avLst/>
+              </a:prstGeom>
+              <a:noFill/>
+            </p:spPr>
+            <p:txBody>
+              <a:bodyPr wrap="none" rtlCol="0">
+                <a:spAutoFit/>
+              </a:bodyPr>
+              <a:lstStyle/>
+              <a:p>
+                <a:r>
+                  <a:rPr lang="en-US" dirty="0" smtClean="0">
+                    <a:latin typeface="Helvetica"/>
+                    <a:cs typeface="Helvetica"/>
+                  </a:rPr>
+                  <a:t>4</a:t>
+                </a:r>
+                <a:endParaRPr lang="en-US" dirty="0">
+                  <a:latin typeface="Helvetica"/>
+                  <a:cs typeface="Helvetica"/>
+                </a:endParaRPr>
+              </a:p>
+            </p:txBody>
+          </p:sp>
+        </p:grpSp>
+        <p:sp>
+          <p:nvSpPr>
+            <p:cNvPr id="23" name="Rectangle 22"/>
+            <p:cNvSpPr/>
+            <p:nvPr/>
+          </p:nvSpPr>
+          <p:spPr>
+            <a:xfrm>
+              <a:off x="2563672" y="2970586"/>
+              <a:ext cx="961002" cy="811830"/>
+            </a:xfrm>
+            <a:prstGeom prst="rect">
+              <a:avLst/>
+            </a:prstGeom>
+            <a:solidFill>
+              <a:schemeClr val="tx2">
+                <a:lumMod val="20000"/>
+                <a:lumOff val="80000"/>
+                <a:alpha val="15000"/>
+              </a:schemeClr>
+            </a:solidFill>
+            <a:ln>
+              <a:solidFill>
+                <a:schemeClr val="accent1">
+                  <a:lumMod val="50000"/>
+                </a:schemeClr>
+              </a:solidFill>
+            </a:ln>
+            <a:effectLst/>
+          </p:spPr>
+          <p:style>
+            <a:lnRef idx="1">
+              <a:schemeClr val="accent1"/>
+            </a:lnRef>
+            <a:fillRef idx="3">
+              <a:schemeClr val="accent1"/>
+            </a:fillRef>
+            <a:effectRef idx="2">
+              <a:schemeClr val="accent1"/>
+            </a:effectRef>
+            <a:fontRef idx="minor">
+              <a:schemeClr val="lt1"/>
+            </a:fontRef>
+          </p:style>
+          <p:txBody>
+            <a:bodyPr rtlCol="0" anchor="ctr"/>
+            <a:lstStyle/>
+            <a:p>
+              <a:pPr algn="ctr"/>
+              <a:endParaRPr lang="en-US"/>
+            </a:p>
+          </p:txBody>
+        </p:sp>
+        <p:sp>
+          <p:nvSpPr>
+            <p:cNvPr id="24" name="Rectangle 23"/>
+            <p:cNvSpPr/>
+            <p:nvPr/>
+          </p:nvSpPr>
+          <p:spPr>
+            <a:xfrm>
+              <a:off x="3582065" y="2971935"/>
+              <a:ext cx="961002" cy="811830"/>
+            </a:xfrm>
+            <a:prstGeom prst="rect">
+              <a:avLst/>
+            </a:prstGeom>
+            <a:solidFill>
+              <a:schemeClr val="tx2">
+                <a:lumMod val="20000"/>
+                <a:lumOff val="80000"/>
+                <a:alpha val="15000"/>
+              </a:schemeClr>
+            </a:solidFill>
+            <a:ln>
+              <a:solidFill>
+                <a:schemeClr val="accent1">
+                  <a:lumMod val="50000"/>
+                </a:schemeClr>
+              </a:solidFill>
+            </a:ln>
+            <a:effectLst/>
+          </p:spPr>
+          <p:style>
+            <a:lnRef idx="1">
+              <a:schemeClr val="accent1"/>
+            </a:lnRef>
+            <a:fillRef idx="3">
+              <a:schemeClr val="accent1"/>
+            </a:fillRef>
+            <a:effectRef idx="2">
+              <a:schemeClr val="accent1"/>
+            </a:effectRef>
+            <a:fontRef idx="minor">
+              <a:schemeClr val="lt1"/>
+            </a:fontRef>
+          </p:style>
+          <p:txBody>
+            <a:bodyPr rtlCol="0" anchor="ctr"/>
+            <a:lstStyle/>
+            <a:p>
+              <a:pPr algn="ctr"/>
+              <a:endParaRPr lang="en-US"/>
+            </a:p>
+          </p:txBody>
+        </p:sp>
+        <p:sp>
+          <p:nvSpPr>
+            <p:cNvPr id="25" name="Rectangle 24"/>
+            <p:cNvSpPr/>
+            <p:nvPr/>
+          </p:nvSpPr>
+          <p:spPr>
+            <a:xfrm>
+              <a:off x="4616908" y="3088432"/>
+              <a:ext cx="961002" cy="689256"/>
+            </a:xfrm>
+            <a:prstGeom prst="rect">
+              <a:avLst/>
+            </a:prstGeom>
+            <a:solidFill>
+              <a:schemeClr val="tx2">
+                <a:lumMod val="20000"/>
+                <a:lumOff val="80000"/>
+                <a:alpha val="15000"/>
+              </a:schemeClr>
+            </a:solidFill>
+            <a:ln>
+              <a:solidFill>
+                <a:schemeClr val="accent1">
+                  <a:lumMod val="50000"/>
+                </a:schemeClr>
+              </a:solidFill>
+            </a:ln>
+            <a:effectLst/>
+          </p:spPr>
+          <p:style>
+            <a:lnRef idx="1">
+              <a:schemeClr val="accent1"/>
+            </a:lnRef>
+            <a:fillRef idx="3">
+              <a:schemeClr val="accent1"/>
+            </a:fillRef>
+            <a:effectRef idx="2">
+              <a:schemeClr val="accent1"/>
+            </a:effectRef>
+            <a:fontRef idx="minor">
+              <a:schemeClr val="lt1"/>
+            </a:fontRef>
+          </p:style>
+          <p:txBody>
+            <a:bodyPr rtlCol="0" anchor="ctr"/>
+            <a:lstStyle/>
+            <a:p>
+              <a:pPr algn="ctr"/>
+              <a:endParaRPr lang="en-US"/>
+            </a:p>
+          </p:txBody>
+        </p:sp>
+        <p:sp>
+          <p:nvSpPr>
+            <p:cNvPr id="26" name="Rectangle 25"/>
+            <p:cNvSpPr/>
+            <p:nvPr/>
+          </p:nvSpPr>
+          <p:spPr>
+            <a:xfrm>
+              <a:off x="5643375" y="2896203"/>
+              <a:ext cx="961002" cy="887561"/>
+            </a:xfrm>
+            <a:prstGeom prst="rect">
+              <a:avLst/>
+            </a:prstGeom>
+            <a:solidFill>
+              <a:schemeClr val="tx2">
+                <a:lumMod val="20000"/>
+                <a:lumOff val="80000"/>
+                <a:alpha val="15000"/>
+              </a:schemeClr>
+            </a:solidFill>
+            <a:ln>
+              <a:solidFill>
+                <a:schemeClr val="accent1">
+                  <a:lumMod val="50000"/>
+                </a:schemeClr>
+              </a:solidFill>
+            </a:ln>
+            <a:effectLst/>
+          </p:spPr>
+          <p:style>
+            <a:lnRef idx="1">
+              <a:schemeClr val="accent1"/>
+            </a:lnRef>
+            <a:fillRef idx="3">
+              <a:schemeClr val="accent1"/>
+            </a:fillRef>
+            <a:effectRef idx="2">
+              <a:schemeClr val="accent1"/>
+            </a:effectRef>
+            <a:fontRef idx="minor">
+              <a:schemeClr val="lt1"/>
+            </a:fontRef>
+          </p:style>
+          <p:txBody>
+            <a:bodyPr rtlCol="0" anchor="ctr"/>
+            <a:lstStyle/>
+            <a:p>
+              <a:pPr algn="ctr"/>
+              <a:endParaRPr lang="en-US"/>
+            </a:p>
+          </p:txBody>
+        </p:sp>
+      </p:grpSp>
+    </p:spTree>
+    <p:extLst>
+      <p:ext uri="{BB962C8B-B14F-4D97-AF65-F5344CB8AC3E}">
+        <p14:creationId xmlns:p14="http://schemas.microsoft.com/office/powerpoint/2010/main" val="3418069868"/>
       </p:ext>
     </p:extLst>
   </p:cSld>

--- a/demofigs.pptx
+++ b/demofigs.pptx
@@ -292,7 +292,7 @@
           <a:p>
             <a:fld id="{0383C893-75EF-3143-9E7A-A240F15BA026}" type="datetimeFigureOut">
               <a:rPr lang="en-US" smtClean="0"/>
-              <a:t>1/14/16</a:t>
+              <a:t>3/9/16</a:t>
             </a:fld>
             <a:endParaRPr lang="en-US"/>
           </a:p>
@@ -462,7 +462,7 @@
           <a:p>
             <a:fld id="{0383C893-75EF-3143-9E7A-A240F15BA026}" type="datetimeFigureOut">
               <a:rPr lang="en-US" smtClean="0"/>
-              <a:t>1/14/16</a:t>
+              <a:t>3/9/16</a:t>
             </a:fld>
             <a:endParaRPr lang="en-US"/>
           </a:p>
@@ -642,7 +642,7 @@
           <a:p>
             <a:fld id="{0383C893-75EF-3143-9E7A-A240F15BA026}" type="datetimeFigureOut">
               <a:rPr lang="en-US" smtClean="0"/>
-              <a:t>1/14/16</a:t>
+              <a:t>3/9/16</a:t>
             </a:fld>
             <a:endParaRPr lang="en-US"/>
           </a:p>
@@ -812,7 +812,7 @@
           <a:p>
             <a:fld id="{0383C893-75EF-3143-9E7A-A240F15BA026}" type="datetimeFigureOut">
               <a:rPr lang="en-US" smtClean="0"/>
-              <a:t>1/14/16</a:t>
+              <a:t>3/9/16</a:t>
             </a:fld>
             <a:endParaRPr lang="en-US"/>
           </a:p>
@@ -1058,7 +1058,7 @@
           <a:p>
             <a:fld id="{0383C893-75EF-3143-9E7A-A240F15BA026}" type="datetimeFigureOut">
               <a:rPr lang="en-US" smtClean="0"/>
-              <a:t>1/14/16</a:t>
+              <a:t>3/9/16</a:t>
             </a:fld>
             <a:endParaRPr lang="en-US"/>
           </a:p>
@@ -1346,7 +1346,7 @@
           <a:p>
             <a:fld id="{0383C893-75EF-3143-9E7A-A240F15BA026}" type="datetimeFigureOut">
               <a:rPr lang="en-US" smtClean="0"/>
-              <a:t>1/14/16</a:t>
+              <a:t>3/9/16</a:t>
             </a:fld>
             <a:endParaRPr lang="en-US"/>
           </a:p>
@@ -1768,7 +1768,7 @@
           <a:p>
             <a:fld id="{0383C893-75EF-3143-9E7A-A240F15BA026}" type="datetimeFigureOut">
               <a:rPr lang="en-US" smtClean="0"/>
-              <a:t>1/14/16</a:t>
+              <a:t>3/9/16</a:t>
             </a:fld>
             <a:endParaRPr lang="en-US"/>
           </a:p>
@@ -1886,7 +1886,7 @@
           <a:p>
             <a:fld id="{0383C893-75EF-3143-9E7A-A240F15BA026}" type="datetimeFigureOut">
               <a:rPr lang="en-US" smtClean="0"/>
-              <a:t>1/14/16</a:t>
+              <a:t>3/9/16</a:t>
             </a:fld>
             <a:endParaRPr lang="en-US"/>
           </a:p>
@@ -1981,7 +1981,7 @@
           <a:p>
             <a:fld id="{0383C893-75EF-3143-9E7A-A240F15BA026}" type="datetimeFigureOut">
               <a:rPr lang="en-US" smtClean="0"/>
-              <a:t>1/14/16</a:t>
+              <a:t>3/9/16</a:t>
             </a:fld>
             <a:endParaRPr lang="en-US"/>
           </a:p>
@@ -2258,7 +2258,7 @@
           <a:p>
             <a:fld id="{0383C893-75EF-3143-9E7A-A240F15BA026}" type="datetimeFigureOut">
               <a:rPr lang="en-US" smtClean="0"/>
-              <a:t>1/14/16</a:t>
+              <a:t>3/9/16</a:t>
             </a:fld>
             <a:endParaRPr lang="en-US"/>
           </a:p>
@@ -2511,7 +2511,7 @@
           <a:p>
             <a:fld id="{0383C893-75EF-3143-9E7A-A240F15BA026}" type="datetimeFigureOut">
               <a:rPr lang="en-US" smtClean="0"/>
-              <a:t>1/14/16</a:t>
+              <a:t>3/9/16</a:t>
             </a:fld>
             <a:endParaRPr lang="en-US"/>
           </a:p>
@@ -2724,7 +2724,7 @@
           <a:p>
             <a:fld id="{0383C893-75EF-3143-9E7A-A240F15BA026}" type="datetimeFigureOut">
               <a:rPr lang="en-US" smtClean="0"/>
-              <a:t>1/14/16</a:t>
+              <a:t>3/9/16</a:t>
             </a:fld>
             <a:endParaRPr lang="en-US"/>
           </a:p>
@@ -3107,10 +3107,10 @@
         </p:nvGrpSpPr>
         <p:grpSpPr>
           <a:xfrm>
-            <a:off x="1662843" y="1385268"/>
-            <a:ext cx="6075269" cy="4192791"/>
-            <a:chOff x="1662843" y="1385268"/>
-            <a:chExt cx="6075269" cy="4192791"/>
+            <a:off x="1514420" y="1343145"/>
+            <a:ext cx="6075269" cy="4237614"/>
+            <a:chOff x="1662843" y="1340445"/>
+            <a:chExt cx="6075269" cy="4237614"/>
           </a:xfrm>
         </p:grpSpPr>
         <p:sp>
@@ -3169,8 +3169,8 @@
           </p:nvSpPr>
           <p:spPr>
             <a:xfrm>
-              <a:off x="3325686" y="1385268"/>
-              <a:ext cx="2826415" cy="369332"/>
+              <a:off x="2817692" y="1340445"/>
+              <a:ext cx="3795850" cy="430887"/>
             </a:xfrm>
             <a:prstGeom prst="rect">
               <a:avLst/>
@@ -3184,41 +3184,31 @@
             <a:lstStyle/>
             <a:p>
               <a:r>
-                <a:rPr lang="en-US" dirty="0" err="1" smtClean="0">
+                <a:rPr lang="en-US" sz="2200" dirty="0" err="1" smtClean="0">
                   <a:solidFill>
                     <a:schemeClr val="bg1"/>
                   </a:solidFill>
-                  <a:latin typeface="Helvetica Neue Thin"/>
-                  <a:cs typeface="Helvetica Neue Thin"/>
+                  <a:latin typeface="Avenir Heavy"/>
+                  <a:cs typeface="Avenir Heavy"/>
                 </a:rPr>
                 <a:t>ActiveClean</a:t>
               </a:r>
               <a:r>
-                <a:rPr lang="en-US" dirty="0" smtClean="0">
+                <a:rPr lang="en-US" sz="2200" dirty="0" smtClean="0">
                   <a:solidFill>
                     <a:schemeClr val="bg1"/>
                   </a:solidFill>
-                  <a:latin typeface="Helvetica Neue"/>
-                  <a:cs typeface="Helvetica Neue"/>
+                  <a:latin typeface="Avenir Heavy"/>
+                  <a:cs typeface="Avenir Heavy"/>
                 </a:rPr>
-                <a:t>: </a:t>
+                <a:t>: Model Builder</a:t>
               </a:r>
-              <a:r>
-                <a:rPr lang="en-US" dirty="0" smtClean="0">
-                  <a:solidFill>
-                    <a:schemeClr val="bg1"/>
-                  </a:solidFill>
-                  <a:latin typeface="Helvetica Neue Thin"/>
-                  <a:cs typeface="Helvetica Neue Thin"/>
-                </a:rPr>
-                <a:t>Model Builder</a:t>
-              </a:r>
-              <a:endParaRPr lang="en-US" dirty="0">
+              <a:endParaRPr lang="en-US" sz="2200" dirty="0">
                 <a:solidFill>
                   <a:schemeClr val="bg1"/>
                 </a:solidFill>
-                <a:latin typeface="Helvetica Neue Thin"/>
-                <a:cs typeface="Helvetica Neue Thin"/>
+                <a:latin typeface="Avenir Heavy"/>
+                <a:cs typeface="Avenir Heavy"/>
               </a:endParaRPr>
             </a:p>
           </p:txBody>
@@ -3937,8 +3927,8 @@
             </p:nvSpPr>
             <p:spPr>
               <a:xfrm>
-                <a:off x="3666110" y="1428866"/>
-                <a:ext cx="2065471" cy="283988"/>
+                <a:off x="3286279" y="1417377"/>
+                <a:ext cx="2801646" cy="331319"/>
               </a:xfrm>
               <a:prstGeom prst="rect">
                 <a:avLst/>
@@ -3952,21 +3942,21 @@
               <a:lstStyle/>
               <a:p>
                 <a:r>
-                  <a:rPr lang="en-US" dirty="0" smtClean="0">
+                  <a:rPr lang="en-US" sz="2200" dirty="0" smtClean="0">
                     <a:solidFill>
                       <a:schemeClr val="bg1"/>
                     </a:solidFill>
-                    <a:latin typeface="Helvetica Neue Thin"/>
-                    <a:cs typeface="Helvetica Neue Thin"/>
+                    <a:latin typeface="Avenir Heavy"/>
+                    <a:cs typeface="Avenir Heavy"/>
                   </a:rPr>
                   <a:t>Model Performance </a:t>
                 </a:r>
-                <a:endParaRPr lang="en-US" dirty="0">
+                <a:endParaRPr lang="en-US" sz="2200" dirty="0">
                   <a:solidFill>
                     <a:schemeClr val="bg1"/>
                   </a:solidFill>
-                  <a:latin typeface="Helvetica Neue Thin"/>
-                  <a:cs typeface="Helvetica Neue Thin"/>
+                  <a:latin typeface="Avenir Heavy"/>
+                  <a:cs typeface="Avenir Heavy"/>
                 </a:endParaRPr>
               </a:p>
             </p:txBody>

--- a/demofigs.pptx
+++ b/demofigs.pptx
@@ -9,7 +9,8 @@
     <p:sldId id="257" r:id="rId3"/>
     <p:sldId id="258" r:id="rId4"/>
     <p:sldId id="259" r:id="rId5"/>
-    <p:sldId id="260" r:id="rId6"/>
+    <p:sldId id="261" r:id="rId6"/>
+    <p:sldId id="260" r:id="rId7"/>
   </p:sldIdLst>
   <p:sldSz cx="9144000" cy="6858000" type="screen4x3"/>
   <p:notesSz cx="6858000" cy="9144000"/>
@@ -3101,7 +3102,7 @@
       </p:grpSpPr>
       <p:grpSp>
         <p:nvGrpSpPr>
-          <p:cNvPr id="18" name="Group 17"/>
+          <p:cNvPr id="2" name="Group 1"/>
           <p:cNvGrpSpPr/>
           <p:nvPr/>
         </p:nvGrpSpPr>
@@ -3109,120 +3110,572 @@
           <a:xfrm>
             <a:off x="1514420" y="1343145"/>
             <a:ext cx="6075269" cy="4237614"/>
-            <a:chOff x="1662843" y="1340445"/>
+            <a:chOff x="1514420" y="1343145"/>
             <a:chExt cx="6075269" cy="4237614"/>
           </a:xfrm>
         </p:grpSpPr>
+        <p:grpSp>
+          <p:nvGrpSpPr>
+            <p:cNvPr id="18" name="Group 17"/>
+            <p:cNvGrpSpPr/>
+            <p:nvPr/>
+          </p:nvGrpSpPr>
+          <p:grpSpPr>
+            <a:xfrm>
+              <a:off x="1514420" y="1343145"/>
+              <a:ext cx="6075269" cy="4237614"/>
+              <a:chOff x="1662843" y="1340445"/>
+              <a:chExt cx="6075269" cy="4237614"/>
+            </a:xfrm>
+          </p:grpSpPr>
+          <p:sp>
+            <p:nvSpPr>
+              <p:cNvPr id="4" name="Rectangle 3"/>
+              <p:cNvSpPr/>
+              <p:nvPr/>
+            </p:nvSpPr>
+            <p:spPr>
+              <a:xfrm>
+                <a:off x="1662843" y="1387968"/>
+                <a:ext cx="6075269" cy="366632"/>
+              </a:xfrm>
+              <a:prstGeom prst="rect">
+                <a:avLst/>
+              </a:prstGeom>
+              <a:solidFill>
+                <a:schemeClr val="tx1">
+                  <a:lumMod val="85000"/>
+                  <a:lumOff val="15000"/>
+                </a:schemeClr>
+              </a:solidFill>
+              <a:ln>
+                <a:noFill/>
+              </a:ln>
+              <a:effectLst/>
+            </p:spPr>
+            <p:style>
+              <a:lnRef idx="1">
+                <a:schemeClr val="accent1"/>
+              </a:lnRef>
+              <a:fillRef idx="3">
+                <a:schemeClr val="accent1"/>
+              </a:fillRef>
+              <a:effectRef idx="2">
+                <a:schemeClr val="accent1"/>
+              </a:effectRef>
+              <a:fontRef idx="minor">
+                <a:schemeClr val="lt1"/>
+              </a:fontRef>
+            </p:style>
+            <p:txBody>
+              <a:bodyPr rtlCol="0" anchor="ctr"/>
+              <a:lstStyle/>
+              <a:p>
+                <a:pPr algn="ctr"/>
+                <a:endParaRPr lang="en-US"/>
+              </a:p>
+            </p:txBody>
+          </p:sp>
+          <p:sp>
+            <p:nvSpPr>
+              <p:cNvPr id="5" name="TextBox 4"/>
+              <p:cNvSpPr txBox="1"/>
+              <p:nvPr/>
+            </p:nvSpPr>
+            <p:spPr>
+              <a:xfrm>
+                <a:off x="2817692" y="1340445"/>
+                <a:ext cx="3795850" cy="430887"/>
+              </a:xfrm>
+              <a:prstGeom prst="rect">
+                <a:avLst/>
+              </a:prstGeom>
+              <a:noFill/>
+            </p:spPr>
+            <p:txBody>
+              <a:bodyPr wrap="none" rtlCol="0">
+                <a:spAutoFit/>
+              </a:bodyPr>
+              <a:lstStyle/>
+              <a:p>
+                <a:r>
+                  <a:rPr lang="en-US" sz="2200" dirty="0" err="1" smtClean="0">
+                    <a:solidFill>
+                      <a:schemeClr val="bg1"/>
+                    </a:solidFill>
+                    <a:latin typeface="Avenir Heavy"/>
+                    <a:cs typeface="Avenir Heavy"/>
+                  </a:rPr>
+                  <a:t>ActiveClean</a:t>
+                </a:r>
+                <a:r>
+                  <a:rPr lang="en-US" sz="2200" dirty="0" smtClean="0">
+                    <a:solidFill>
+                      <a:schemeClr val="bg1"/>
+                    </a:solidFill>
+                    <a:latin typeface="Avenir Heavy"/>
+                    <a:cs typeface="Avenir Heavy"/>
+                  </a:rPr>
+                  <a:t>: Model Builder</a:t>
+                </a:r>
+                <a:endParaRPr lang="en-US" sz="2200" dirty="0">
+                  <a:solidFill>
+                    <a:schemeClr val="bg1"/>
+                  </a:solidFill>
+                  <a:latin typeface="Avenir Heavy"/>
+                  <a:cs typeface="Avenir Heavy"/>
+                </a:endParaRPr>
+              </a:p>
+            </p:txBody>
+          </p:sp>
+          <p:sp>
+            <p:nvSpPr>
+              <p:cNvPr id="6" name="TextBox 5"/>
+              <p:cNvSpPr txBox="1"/>
+              <p:nvPr/>
+            </p:nvSpPr>
+            <p:spPr>
+              <a:xfrm>
+                <a:off x="1911615" y="2681578"/>
+                <a:ext cx="2096585" cy="369332"/>
+              </a:xfrm>
+              <a:prstGeom prst="rect">
+                <a:avLst/>
+              </a:prstGeom>
+              <a:noFill/>
+            </p:spPr>
+            <p:txBody>
+              <a:bodyPr wrap="none" rtlCol="0">
+                <a:spAutoFit/>
+              </a:bodyPr>
+              <a:lstStyle/>
+              <a:p>
+                <a:r>
+                  <a:rPr lang="en-US" dirty="0" smtClean="0">
+                    <a:latin typeface="Helvetica"/>
+                    <a:cs typeface="Helvetica"/>
+                  </a:rPr>
+                  <a:t>Add Loss Function </a:t>
+                </a:r>
+                <a:endParaRPr lang="en-US" dirty="0">
+                  <a:latin typeface="Helvetica"/>
+                  <a:cs typeface="Helvetica"/>
+                </a:endParaRPr>
+              </a:p>
+            </p:txBody>
+          </p:sp>
+          <p:sp>
+            <p:nvSpPr>
+              <p:cNvPr id="7" name="TextBox 6"/>
+              <p:cNvSpPr txBox="1"/>
+              <p:nvPr/>
+            </p:nvSpPr>
+            <p:spPr>
+              <a:xfrm>
+                <a:off x="1911615" y="3363408"/>
+                <a:ext cx="1544864" cy="369332"/>
+              </a:xfrm>
+              <a:prstGeom prst="rect">
+                <a:avLst/>
+              </a:prstGeom>
+              <a:noFill/>
+            </p:spPr>
+            <p:txBody>
+              <a:bodyPr wrap="none" rtlCol="0">
+                <a:spAutoFit/>
+              </a:bodyPr>
+              <a:lstStyle/>
+              <a:p>
+                <a:r>
+                  <a:rPr lang="en-US" dirty="0" smtClean="0">
+                    <a:latin typeface="Helvetica"/>
+                    <a:cs typeface="Helvetica"/>
+                  </a:rPr>
+                  <a:t>Add Gradient</a:t>
+                </a:r>
+                <a:endParaRPr lang="en-US" dirty="0">
+                  <a:latin typeface="Helvetica"/>
+                  <a:cs typeface="Helvetica"/>
+                </a:endParaRPr>
+              </a:p>
+            </p:txBody>
+          </p:sp>
+          <p:sp>
+            <p:nvSpPr>
+              <p:cNvPr id="8" name="TextBox 7"/>
+              <p:cNvSpPr txBox="1"/>
+              <p:nvPr/>
+            </p:nvSpPr>
+            <p:spPr>
+              <a:xfrm>
+                <a:off x="1911615" y="4144562"/>
+                <a:ext cx="1288108" cy="369332"/>
+              </a:xfrm>
+              <a:prstGeom prst="rect">
+                <a:avLst/>
+              </a:prstGeom>
+              <a:noFill/>
+            </p:spPr>
+            <p:txBody>
+              <a:bodyPr wrap="none" rtlCol="0">
+                <a:spAutoFit/>
+              </a:bodyPr>
+              <a:lstStyle/>
+              <a:p>
+                <a:r>
+                  <a:rPr lang="en-US" dirty="0" smtClean="0">
+                    <a:latin typeface="Helvetica"/>
+                    <a:cs typeface="Helvetica"/>
+                  </a:rPr>
+                  <a:t>Batch Size</a:t>
+                </a:r>
+                <a:endParaRPr lang="en-US" dirty="0">
+                  <a:latin typeface="Helvetica"/>
+                  <a:cs typeface="Helvetica"/>
+                </a:endParaRPr>
+              </a:p>
+            </p:txBody>
+          </p:sp>
+          <p:sp>
+            <p:nvSpPr>
+              <p:cNvPr id="10" name="Rounded Rectangle 9"/>
+              <p:cNvSpPr/>
+              <p:nvPr/>
+            </p:nvSpPr>
+            <p:spPr>
+              <a:xfrm>
+                <a:off x="4492440" y="4183724"/>
+                <a:ext cx="2132745" cy="369332"/>
+              </a:xfrm>
+              <a:prstGeom prst="roundRect">
+                <a:avLst/>
+              </a:prstGeom>
+              <a:noFill/>
+              <a:ln>
+                <a:solidFill>
+                  <a:schemeClr val="tx1">
+                    <a:lumMod val="50000"/>
+                    <a:lumOff val="50000"/>
+                  </a:schemeClr>
+                </a:solidFill>
+              </a:ln>
+              <a:effectLst>
+                <a:outerShdw blurRad="40000" dist="23000" dir="5400000" rotWithShape="0">
+                  <a:srgbClr val="3366FF">
+                    <a:alpha val="35000"/>
+                  </a:srgbClr>
+                </a:outerShdw>
+              </a:effectLst>
+            </p:spPr>
+            <p:style>
+              <a:lnRef idx="1">
+                <a:schemeClr val="accent1"/>
+              </a:lnRef>
+              <a:fillRef idx="3">
+                <a:schemeClr val="accent1"/>
+              </a:fillRef>
+              <a:effectRef idx="2">
+                <a:schemeClr val="accent1"/>
+              </a:effectRef>
+              <a:fontRef idx="minor">
+                <a:schemeClr val="lt1"/>
+              </a:fontRef>
+            </p:style>
+            <p:txBody>
+              <a:bodyPr rtlCol="0" anchor="ctr"/>
+              <a:lstStyle/>
+              <a:p>
+                <a:pPr algn="ctr"/>
+                <a:endParaRPr lang="en-US"/>
+              </a:p>
+            </p:txBody>
+          </p:sp>
+          <p:sp>
+            <p:nvSpPr>
+              <p:cNvPr id="12" name="Rectangle 11"/>
+              <p:cNvSpPr/>
+              <p:nvPr/>
+            </p:nvSpPr>
+            <p:spPr>
+              <a:xfrm>
+                <a:off x="1662843" y="1385269"/>
+                <a:ext cx="6075269" cy="4192790"/>
+              </a:xfrm>
+              <a:prstGeom prst="rect">
+                <a:avLst/>
+              </a:prstGeom>
+              <a:noFill/>
+              <a:ln w="34925">
+                <a:solidFill>
+                  <a:schemeClr val="tx1">
+                    <a:lumMod val="50000"/>
+                    <a:lumOff val="50000"/>
+                  </a:schemeClr>
+                </a:solidFill>
+              </a:ln>
+              <a:effectLst/>
+            </p:spPr>
+            <p:style>
+              <a:lnRef idx="1">
+                <a:schemeClr val="accent1"/>
+              </a:lnRef>
+              <a:fillRef idx="3">
+                <a:schemeClr val="accent1"/>
+              </a:fillRef>
+              <a:effectRef idx="2">
+                <a:schemeClr val="accent1"/>
+              </a:effectRef>
+              <a:fontRef idx="minor">
+                <a:schemeClr val="lt1"/>
+              </a:fontRef>
+            </p:style>
+            <p:txBody>
+              <a:bodyPr rtlCol="0" anchor="ctr"/>
+              <a:lstStyle/>
+              <a:p>
+                <a:pPr algn="ctr"/>
+                <a:endParaRPr lang="en-US"/>
+              </a:p>
+            </p:txBody>
+          </p:sp>
+          <p:sp>
+            <p:nvSpPr>
+              <p:cNvPr id="13" name="TextBox 12"/>
+              <p:cNvSpPr txBox="1"/>
+              <p:nvPr/>
+            </p:nvSpPr>
+            <p:spPr>
+              <a:xfrm>
+                <a:off x="4451988" y="3379202"/>
+                <a:ext cx="2384919" cy="307777"/>
+              </a:xfrm>
+              <a:prstGeom prst="rect">
+                <a:avLst/>
+              </a:prstGeom>
+              <a:noFill/>
+            </p:spPr>
+            <p:txBody>
+              <a:bodyPr wrap="none" rtlCol="0">
+                <a:spAutoFit/>
+              </a:bodyPr>
+              <a:lstStyle/>
+              <a:p>
+                <a:r>
+                  <a:rPr lang="en-US" sz="1400" i="1" u="sng" dirty="0" err="1">
+                    <a:solidFill>
+                      <a:srgbClr val="0000FF"/>
+                    </a:solidFill>
+                    <a:latin typeface="Courier New"/>
+                    <a:cs typeface="Courier New"/>
+                  </a:rPr>
+                  <a:t>p</a:t>
+                </a:r>
+                <a:r>
+                  <a:rPr lang="en-US" sz="1400" i="1" u="sng" dirty="0" err="1" smtClean="0">
+                    <a:solidFill>
+                      <a:srgbClr val="0000FF"/>
+                    </a:solidFill>
+                    <a:latin typeface="Courier New"/>
+                    <a:cs typeface="Courier New"/>
+                  </a:rPr>
+                  <a:t>y</a:t>
+                </a:r>
+                <a:r>
+                  <a:rPr lang="en-US" sz="1400" i="1" u="sng" dirty="0" smtClean="0">
+                    <a:solidFill>
+                      <a:srgbClr val="0000FF"/>
+                    </a:solidFill>
+                    <a:latin typeface="Courier New"/>
+                    <a:cs typeface="Courier New"/>
+                  </a:rPr>
+                  <a:t>-spark-</a:t>
+                </a:r>
+                <a:r>
+                  <a:rPr lang="en-US" sz="1400" i="1" u="sng" dirty="0" err="1" smtClean="0">
+                    <a:solidFill>
+                      <a:srgbClr val="0000FF"/>
+                    </a:solidFill>
+                    <a:latin typeface="Courier New"/>
+                    <a:cs typeface="Courier New"/>
+                  </a:rPr>
+                  <a:t>gradient.py</a:t>
+                </a:r>
+                <a:endParaRPr lang="en-US" sz="1400" i="1" u="sng" dirty="0">
+                  <a:solidFill>
+                    <a:srgbClr val="0000FF"/>
+                  </a:solidFill>
+                  <a:latin typeface="Courier New"/>
+                  <a:cs typeface="Courier New"/>
+                </a:endParaRPr>
+              </a:p>
+            </p:txBody>
+          </p:sp>
+          <p:sp>
+            <p:nvSpPr>
+              <p:cNvPr id="14" name="TextBox 13"/>
+              <p:cNvSpPr txBox="1"/>
+              <p:nvPr/>
+            </p:nvSpPr>
+            <p:spPr>
+              <a:xfrm>
+                <a:off x="4492440" y="2681578"/>
+                <a:ext cx="2061702" cy="307777"/>
+              </a:xfrm>
+              <a:prstGeom prst="rect">
+                <a:avLst/>
+              </a:prstGeom>
+              <a:noFill/>
+            </p:spPr>
+            <p:txBody>
+              <a:bodyPr wrap="none" rtlCol="0">
+                <a:spAutoFit/>
+              </a:bodyPr>
+              <a:lstStyle/>
+              <a:p>
+                <a:r>
+                  <a:rPr lang="en-US" sz="1400" i="1" u="sng" dirty="0" err="1">
+                    <a:solidFill>
+                      <a:srgbClr val="0000FF"/>
+                    </a:solidFill>
+                    <a:latin typeface="Courier New"/>
+                    <a:cs typeface="Courier New"/>
+                  </a:rPr>
+                  <a:t>p</a:t>
+                </a:r>
+                <a:r>
+                  <a:rPr lang="en-US" sz="1400" i="1" u="sng" dirty="0" err="1" smtClean="0">
+                    <a:solidFill>
+                      <a:srgbClr val="0000FF"/>
+                    </a:solidFill>
+                    <a:latin typeface="Courier New"/>
+                    <a:cs typeface="Courier New"/>
+                  </a:rPr>
+                  <a:t>y</a:t>
+                </a:r>
+                <a:r>
+                  <a:rPr lang="en-US" sz="1400" i="1" u="sng" dirty="0" smtClean="0">
+                    <a:solidFill>
+                      <a:srgbClr val="0000FF"/>
+                    </a:solidFill>
+                    <a:latin typeface="Courier New"/>
+                    <a:cs typeface="Courier New"/>
+                  </a:rPr>
+                  <a:t>-spark-</a:t>
+                </a:r>
+                <a:r>
+                  <a:rPr lang="en-US" sz="1400" i="1" u="sng" dirty="0" err="1" smtClean="0">
+                    <a:solidFill>
+                      <a:srgbClr val="0000FF"/>
+                    </a:solidFill>
+                    <a:latin typeface="Courier New"/>
+                    <a:cs typeface="Courier New"/>
+                  </a:rPr>
+                  <a:t>model.py</a:t>
+                </a:r>
+                <a:endParaRPr lang="en-US" sz="1400" i="1" u="sng" dirty="0">
+                  <a:solidFill>
+                    <a:srgbClr val="0000FF"/>
+                  </a:solidFill>
+                  <a:latin typeface="Courier New"/>
+                  <a:cs typeface="Courier New"/>
+                </a:endParaRPr>
+              </a:p>
+            </p:txBody>
+          </p:sp>
+          <p:sp>
+            <p:nvSpPr>
+              <p:cNvPr id="16" name="Rounded Rectangle 15"/>
+              <p:cNvSpPr/>
+              <p:nvPr/>
+            </p:nvSpPr>
+            <p:spPr>
+              <a:xfrm>
+                <a:off x="4008200" y="5001921"/>
+                <a:ext cx="1139113" cy="432103"/>
+              </a:xfrm>
+              <a:prstGeom prst="roundRect">
+                <a:avLst/>
+              </a:prstGeom>
+              <a:solidFill>
+                <a:srgbClr val="FFB508"/>
+              </a:solidFill>
+              <a:ln w="22225">
+                <a:solidFill>
+                  <a:schemeClr val="tx1"/>
+                </a:solidFill>
+              </a:ln>
+              <a:effectLst/>
+            </p:spPr>
+            <p:style>
+              <a:lnRef idx="1">
+                <a:schemeClr val="accent1"/>
+              </a:lnRef>
+              <a:fillRef idx="3">
+                <a:schemeClr val="accent1"/>
+              </a:fillRef>
+              <a:effectRef idx="2">
+                <a:schemeClr val="accent1"/>
+              </a:effectRef>
+              <a:fontRef idx="minor">
+                <a:schemeClr val="lt1"/>
+              </a:fontRef>
+            </p:style>
+            <p:txBody>
+              <a:bodyPr rtlCol="0" anchor="ctr"/>
+              <a:lstStyle/>
+              <a:p>
+                <a:pPr algn="ctr"/>
+                <a:endParaRPr lang="en-US"/>
+              </a:p>
+            </p:txBody>
+          </p:sp>
+          <p:sp>
+            <p:nvSpPr>
+              <p:cNvPr id="17" name="TextBox 16"/>
+              <p:cNvSpPr txBox="1"/>
+              <p:nvPr/>
+            </p:nvSpPr>
+            <p:spPr>
+              <a:xfrm>
+                <a:off x="4237496" y="5014435"/>
+                <a:ext cx="607896" cy="369332"/>
+              </a:xfrm>
+              <a:prstGeom prst="rect">
+                <a:avLst/>
+              </a:prstGeom>
+              <a:noFill/>
+            </p:spPr>
+            <p:txBody>
+              <a:bodyPr wrap="none" rtlCol="0">
+                <a:spAutoFit/>
+              </a:bodyPr>
+              <a:lstStyle/>
+              <a:p>
+                <a:r>
+                  <a:rPr lang="en-US" dirty="0" smtClean="0">
+                    <a:latin typeface="Helvetica"/>
+                    <a:cs typeface="Helvetica"/>
+                  </a:rPr>
+                  <a:t>GO!</a:t>
+                </a:r>
+                <a:endParaRPr lang="en-US" dirty="0">
+                  <a:latin typeface="Helvetica"/>
+                  <a:cs typeface="Helvetica"/>
+                </a:endParaRPr>
+              </a:p>
+            </p:txBody>
+          </p:sp>
+        </p:grpSp>
         <p:sp>
           <p:nvSpPr>
-            <p:cNvPr id="4" name="Rectangle 3"/>
-            <p:cNvSpPr/>
-            <p:nvPr/>
-          </p:nvSpPr>
-          <p:spPr>
-            <a:xfrm>
-              <a:off x="1662843" y="1387968"/>
-              <a:ext cx="6075269" cy="366632"/>
-            </a:xfrm>
-            <a:prstGeom prst="rect">
-              <a:avLst/>
-            </a:prstGeom>
-            <a:solidFill>
-              <a:schemeClr val="tx1">
-                <a:lumMod val="85000"/>
-                <a:lumOff val="15000"/>
-              </a:schemeClr>
-            </a:solidFill>
-            <a:ln>
-              <a:noFill/>
-            </a:ln>
-            <a:effectLst/>
-          </p:spPr>
-          <p:style>
-            <a:lnRef idx="1">
-              <a:schemeClr val="accent1"/>
-            </a:lnRef>
-            <a:fillRef idx="3">
-              <a:schemeClr val="accent1"/>
-            </a:fillRef>
-            <a:effectRef idx="2">
-              <a:schemeClr val="accent1"/>
-            </a:effectRef>
-            <a:fontRef idx="minor">
-              <a:schemeClr val="lt1"/>
-            </a:fontRef>
-          </p:style>
-          <p:txBody>
-            <a:bodyPr rtlCol="0" anchor="ctr"/>
-            <a:lstStyle/>
-            <a:p>
-              <a:pPr algn="ctr"/>
-              <a:endParaRPr lang="en-US"/>
-            </a:p>
-          </p:txBody>
-        </p:sp>
-        <p:sp>
-          <p:nvSpPr>
-            <p:cNvPr id="5" name="TextBox 4"/>
+            <p:cNvPr id="19" name="TextBox 18"/>
             <p:cNvSpPr txBox="1"/>
             <p:nvPr/>
           </p:nvSpPr>
           <p:spPr>
             <a:xfrm>
-              <a:off x="2817692" y="1340445"/>
-              <a:ext cx="3795850" cy="430887"/>
-            </a:xfrm>
-            <a:prstGeom prst="rect">
-              <a:avLst/>
-            </a:prstGeom>
-            <a:noFill/>
-          </p:spPr>
-          <p:txBody>
-            <a:bodyPr wrap="none" rtlCol="0">
-              <a:spAutoFit/>
-            </a:bodyPr>
-            <a:lstStyle/>
-            <a:p>
-              <a:r>
-                <a:rPr lang="en-US" sz="2200" dirty="0" err="1" smtClean="0">
-                  <a:solidFill>
-                    <a:schemeClr val="bg1"/>
-                  </a:solidFill>
-                  <a:latin typeface="Avenir Heavy"/>
-                  <a:cs typeface="Avenir Heavy"/>
-                </a:rPr>
-                <a:t>ActiveClean</a:t>
-              </a:r>
-              <a:r>
-                <a:rPr lang="en-US" sz="2200" dirty="0" smtClean="0">
-                  <a:solidFill>
-                    <a:schemeClr val="bg1"/>
-                  </a:solidFill>
-                  <a:latin typeface="Avenir Heavy"/>
-                  <a:cs typeface="Avenir Heavy"/>
-                </a:rPr>
-                <a:t>: Model Builder</a:t>
-              </a:r>
-              <a:endParaRPr lang="en-US" sz="2200" dirty="0">
-                <a:solidFill>
-                  <a:schemeClr val="bg1"/>
-                </a:solidFill>
-                <a:latin typeface="Avenir Heavy"/>
-                <a:cs typeface="Avenir Heavy"/>
-              </a:endParaRPr>
-            </a:p>
-          </p:txBody>
-        </p:sp>
-        <p:sp>
-          <p:nvSpPr>
-            <p:cNvPr id="6" name="TextBox 5"/>
-            <p:cNvSpPr txBox="1"/>
-            <p:nvPr/>
-          </p:nvSpPr>
-          <p:spPr>
-            <a:xfrm>
-              <a:off x="1911615" y="2681578"/>
-              <a:ext cx="2096585" cy="369332"/>
+              <a:off x="1884044" y="2087618"/>
+              <a:ext cx="1570449" cy="369332"/>
             </a:xfrm>
             <a:prstGeom prst="rect">
               <a:avLst/>
@@ -3240,7 +3693,7 @@
                   <a:latin typeface="Helvetica"/>
                   <a:cs typeface="Helvetica"/>
                 </a:rPr>
-                <a:t>Add Loss Function </a:t>
+                <a:t>Add Features</a:t>
               </a:r>
               <a:endParaRPr lang="en-US" dirty="0">
                 <a:latin typeface="Helvetica"/>
@@ -3251,188 +3704,14 @@
         </p:sp>
         <p:sp>
           <p:nvSpPr>
-            <p:cNvPr id="7" name="TextBox 6"/>
+            <p:cNvPr id="20" name="TextBox 19"/>
             <p:cNvSpPr txBox="1"/>
             <p:nvPr/>
           </p:nvSpPr>
           <p:spPr>
             <a:xfrm>
-              <a:off x="1911615" y="3363408"/>
-              <a:ext cx="1544864" cy="369332"/>
-            </a:xfrm>
-            <a:prstGeom prst="rect">
-              <a:avLst/>
-            </a:prstGeom>
-            <a:noFill/>
-          </p:spPr>
-          <p:txBody>
-            <a:bodyPr wrap="none" rtlCol="0">
-              <a:spAutoFit/>
-            </a:bodyPr>
-            <a:lstStyle/>
-            <a:p>
-              <a:r>
-                <a:rPr lang="en-US" dirty="0" smtClean="0">
-                  <a:latin typeface="Helvetica"/>
-                  <a:cs typeface="Helvetica"/>
-                </a:rPr>
-                <a:t>Add Gradient</a:t>
-              </a:r>
-              <a:endParaRPr lang="en-US" dirty="0">
-                <a:latin typeface="Helvetica"/>
-                <a:cs typeface="Helvetica"/>
-              </a:endParaRPr>
-            </a:p>
-          </p:txBody>
-        </p:sp>
-        <p:sp>
-          <p:nvSpPr>
-            <p:cNvPr id="8" name="TextBox 7"/>
-            <p:cNvSpPr txBox="1"/>
-            <p:nvPr/>
-          </p:nvSpPr>
-          <p:spPr>
-            <a:xfrm>
-              <a:off x="1911615" y="4144562"/>
-              <a:ext cx="1288108" cy="369332"/>
-            </a:xfrm>
-            <a:prstGeom prst="rect">
-              <a:avLst/>
-            </a:prstGeom>
-            <a:noFill/>
-          </p:spPr>
-          <p:txBody>
-            <a:bodyPr wrap="none" rtlCol="0">
-              <a:spAutoFit/>
-            </a:bodyPr>
-            <a:lstStyle/>
-            <a:p>
-              <a:r>
-                <a:rPr lang="en-US" dirty="0" smtClean="0">
-                  <a:latin typeface="Helvetica"/>
-                  <a:cs typeface="Helvetica"/>
-                </a:rPr>
-                <a:t>Batch Size</a:t>
-              </a:r>
-              <a:endParaRPr lang="en-US" dirty="0">
-                <a:latin typeface="Helvetica"/>
-                <a:cs typeface="Helvetica"/>
-              </a:endParaRPr>
-            </a:p>
-          </p:txBody>
-        </p:sp>
-        <p:sp>
-          <p:nvSpPr>
-            <p:cNvPr id="10" name="Rounded Rectangle 9"/>
-            <p:cNvSpPr/>
-            <p:nvPr/>
-          </p:nvSpPr>
-          <p:spPr>
-            <a:xfrm>
-              <a:off x="4492440" y="4183724"/>
-              <a:ext cx="2132745" cy="369332"/>
-            </a:xfrm>
-            <a:prstGeom prst="roundRect">
-              <a:avLst/>
-            </a:prstGeom>
-            <a:noFill/>
-            <a:ln>
-              <a:solidFill>
-                <a:schemeClr val="tx1">
-                  <a:lumMod val="50000"/>
-                  <a:lumOff val="50000"/>
-                </a:schemeClr>
-              </a:solidFill>
-            </a:ln>
-            <a:effectLst>
-              <a:outerShdw blurRad="40000" dist="23000" dir="5400000" rotWithShape="0">
-                <a:srgbClr val="3366FF">
-                  <a:alpha val="35000"/>
-                </a:srgbClr>
-              </a:outerShdw>
-            </a:effectLst>
-          </p:spPr>
-          <p:style>
-            <a:lnRef idx="1">
-              <a:schemeClr val="accent1"/>
-            </a:lnRef>
-            <a:fillRef idx="3">
-              <a:schemeClr val="accent1"/>
-            </a:fillRef>
-            <a:effectRef idx="2">
-              <a:schemeClr val="accent1"/>
-            </a:effectRef>
-            <a:fontRef idx="minor">
-              <a:schemeClr val="lt1"/>
-            </a:fontRef>
-          </p:style>
-          <p:txBody>
-            <a:bodyPr rtlCol="0" anchor="ctr"/>
-            <a:lstStyle/>
-            <a:p>
-              <a:pPr algn="ctr"/>
-              <a:endParaRPr lang="en-US"/>
-            </a:p>
-          </p:txBody>
-        </p:sp>
-        <p:sp>
-          <p:nvSpPr>
-            <p:cNvPr id="12" name="Rectangle 11"/>
-            <p:cNvSpPr/>
-            <p:nvPr/>
-          </p:nvSpPr>
-          <p:spPr>
-            <a:xfrm>
-              <a:off x="1662843" y="1385269"/>
-              <a:ext cx="6075269" cy="4192790"/>
-            </a:xfrm>
-            <a:prstGeom prst="rect">
-              <a:avLst/>
-            </a:prstGeom>
-            <a:noFill/>
-            <a:ln w="34925">
-              <a:solidFill>
-                <a:schemeClr val="tx1">
-                  <a:lumMod val="50000"/>
-                  <a:lumOff val="50000"/>
-                </a:schemeClr>
-              </a:solidFill>
-            </a:ln>
-            <a:effectLst/>
-          </p:spPr>
-          <p:style>
-            <a:lnRef idx="1">
-              <a:schemeClr val="accent1"/>
-            </a:lnRef>
-            <a:fillRef idx="3">
-              <a:schemeClr val="accent1"/>
-            </a:fillRef>
-            <a:effectRef idx="2">
-              <a:schemeClr val="accent1"/>
-            </a:effectRef>
-            <a:fontRef idx="minor">
-              <a:schemeClr val="lt1"/>
-            </a:fontRef>
-          </p:style>
-          <p:txBody>
-            <a:bodyPr rtlCol="0" anchor="ctr"/>
-            <a:lstStyle/>
-            <a:p>
-              <a:pPr algn="ctr"/>
-              <a:endParaRPr lang="en-US"/>
-            </a:p>
-          </p:txBody>
-        </p:sp>
-        <p:sp>
-          <p:nvSpPr>
-            <p:cNvPr id="13" name="TextBox 12"/>
-            <p:cNvSpPr txBox="1"/>
-            <p:nvPr/>
-          </p:nvSpPr>
-          <p:spPr>
-            <a:xfrm>
-              <a:off x="4451988" y="3379202"/>
-              <a:ext cx="2384919" cy="307777"/>
+              <a:off x="4367637" y="2087618"/>
+              <a:ext cx="1953962" cy="307777"/>
             </a:xfrm>
             <a:prstGeom prst="rect">
               <a:avLst/>
@@ -3483,7 +3762,7 @@
                   <a:latin typeface="Courier New"/>
                   <a:cs typeface="Courier New"/>
                 </a:rPr>
-                <a:t>gradient.py</a:t>
+                <a:t>feat.py</a:t>
               </a:r>
               <a:endParaRPr lang="en-US" sz="1400" i="1" u="sng" dirty="0">
                 <a:solidFill>
@@ -3497,153 +3776,52 @@
         </p:sp>
         <p:sp>
           <p:nvSpPr>
-            <p:cNvPr id="14" name="TextBox 13"/>
+            <p:cNvPr id="21" name="TextBox 20"/>
             <p:cNvSpPr txBox="1"/>
             <p:nvPr/>
           </p:nvSpPr>
           <p:spPr>
             <a:xfrm>
-              <a:off x="4492440" y="2681578"/>
-              <a:ext cx="2061702" cy="307777"/>
+              <a:off x="5344618" y="4157656"/>
+              <a:ext cx="599136" cy="369332"/>
             </a:xfrm>
             <a:prstGeom prst="rect">
               <a:avLst/>
             </a:prstGeom>
             <a:noFill/>
+            <a:ln>
+              <a:solidFill>
+                <a:srgbClr val="3366FF"/>
+              </a:solidFill>
+            </a:ln>
+            <a:effectLst>
+              <a:softEdge rad="558800"/>
+            </a:effectLst>
           </p:spPr>
           <p:txBody>
-            <a:bodyPr wrap="none" rtlCol="0">
-              <a:spAutoFit/>
-            </a:bodyPr>
-            <a:lstStyle/>
-            <a:p>
-              <a:r>
-                <a:rPr lang="en-US" sz="1400" i="1" u="sng" dirty="0" err="1">
-                  <a:solidFill>
-                    <a:srgbClr val="0000FF"/>
-                  </a:solidFill>
-                  <a:latin typeface="Courier New"/>
-                  <a:cs typeface="Courier New"/>
-                </a:rPr>
-                <a:t>p</a:t>
-              </a:r>
-              <a:r>
-                <a:rPr lang="en-US" sz="1400" i="1" u="sng" dirty="0" err="1" smtClean="0">
-                  <a:solidFill>
-                    <a:srgbClr val="0000FF"/>
-                  </a:solidFill>
-                  <a:latin typeface="Courier New"/>
-                  <a:cs typeface="Courier New"/>
-                </a:rPr>
-                <a:t>y</a:t>
-              </a:r>
-              <a:r>
-                <a:rPr lang="en-US" sz="1400" i="1" u="sng" dirty="0" smtClean="0">
-                  <a:solidFill>
-                    <a:srgbClr val="0000FF"/>
-                  </a:solidFill>
-                  <a:latin typeface="Courier New"/>
-                  <a:cs typeface="Courier New"/>
-                </a:rPr>
-                <a:t>-spark-</a:t>
-              </a:r>
-              <a:r>
-                <a:rPr lang="en-US" sz="1400" i="1" u="sng" dirty="0" err="1" smtClean="0">
-                  <a:solidFill>
-                    <a:srgbClr val="0000FF"/>
-                  </a:solidFill>
-                  <a:latin typeface="Courier New"/>
-                  <a:cs typeface="Courier New"/>
-                </a:rPr>
-                <a:t>model.py</a:t>
-              </a:r>
-              <a:endParaRPr lang="en-US" sz="1400" i="1" u="sng" dirty="0">
-                <a:solidFill>
-                  <a:srgbClr val="0000FF"/>
-                </a:solidFill>
-                <a:latin typeface="Courier New"/>
-                <a:cs typeface="Courier New"/>
-              </a:endParaRPr>
-            </a:p>
-          </p:txBody>
-        </p:sp>
-        <p:sp>
-          <p:nvSpPr>
-            <p:cNvPr id="16" name="Rounded Rectangle 15"/>
-            <p:cNvSpPr/>
-            <p:nvPr/>
-          </p:nvSpPr>
-          <p:spPr>
-            <a:xfrm>
-              <a:off x="4008200" y="5001921"/>
-              <a:ext cx="1139113" cy="432103"/>
-            </a:xfrm>
-            <a:prstGeom prst="roundRect">
-              <a:avLst/>
-            </a:prstGeom>
-            <a:solidFill>
-              <a:srgbClr val="FFB508"/>
-            </a:solidFill>
-            <a:ln w="22225">
-              <a:solidFill>
-                <a:schemeClr val="tx1"/>
-              </a:solidFill>
-            </a:ln>
-            <a:effectLst/>
-          </p:spPr>
-          <p:style>
-            <a:lnRef idx="1">
-              <a:schemeClr val="accent1"/>
-            </a:lnRef>
-            <a:fillRef idx="3">
-              <a:schemeClr val="accent1"/>
-            </a:fillRef>
-            <a:effectRef idx="2">
-              <a:schemeClr val="accent1"/>
-            </a:effectRef>
-            <a:fontRef idx="minor">
-              <a:schemeClr val="lt1"/>
-            </a:fontRef>
-          </p:style>
-          <p:txBody>
-            <a:bodyPr rtlCol="0" anchor="ctr"/>
-            <a:lstStyle/>
-            <a:p>
-              <a:pPr algn="ctr"/>
-              <a:endParaRPr lang="en-US"/>
-            </a:p>
-          </p:txBody>
-        </p:sp>
-        <p:sp>
-          <p:nvSpPr>
-            <p:cNvPr id="17" name="TextBox 16"/>
-            <p:cNvSpPr txBox="1"/>
-            <p:nvPr/>
-          </p:nvSpPr>
-          <p:spPr>
-            <a:xfrm>
-              <a:off x="4237496" y="5014435"/>
-              <a:ext cx="607896" cy="369332"/>
-            </a:xfrm>
-            <a:prstGeom prst="rect">
-              <a:avLst/>
-            </a:prstGeom>
-            <a:noFill/>
-          </p:spPr>
-          <p:txBody>
-            <a:bodyPr wrap="none" rtlCol="0">
+            <a:bodyPr wrap="square" rtlCol="0">
               <a:spAutoFit/>
             </a:bodyPr>
             <a:lstStyle/>
             <a:p>
               <a:r>
                 <a:rPr lang="en-US" dirty="0" smtClean="0">
+                  <a:solidFill>
+                    <a:schemeClr val="bg1">
+                      <a:lumMod val="75000"/>
+                    </a:schemeClr>
+                  </a:solidFill>
                   <a:latin typeface="Helvetica"/>
                   <a:cs typeface="Helvetica"/>
                 </a:rPr>
-                <a:t>GO!</a:t>
+                <a:t>50</a:t>
               </a:r>
               <a:endParaRPr lang="en-US" dirty="0">
+                <a:solidFill>
+                  <a:schemeClr val="bg1">
+                    <a:lumMod val="75000"/>
+                  </a:schemeClr>
+                </a:solidFill>
                 <a:latin typeface="Helvetica"/>
                 <a:cs typeface="Helvetica"/>
               </a:endParaRPr>
@@ -3651,168 +3829,6 @@
           </p:txBody>
         </p:sp>
       </p:grpSp>
-      <p:sp>
-        <p:nvSpPr>
-          <p:cNvPr id="19" name="TextBox 18"/>
-          <p:cNvSpPr txBox="1"/>
-          <p:nvPr/>
-        </p:nvSpPr>
-        <p:spPr>
-          <a:xfrm>
-            <a:off x="1971230" y="2087618"/>
-            <a:ext cx="1570449" cy="369332"/>
-          </a:xfrm>
-          <a:prstGeom prst="rect">
-            <a:avLst/>
-          </a:prstGeom>
-          <a:noFill/>
-        </p:spPr>
-        <p:txBody>
-          <a:bodyPr wrap="none" rtlCol="0">
-            <a:spAutoFit/>
-          </a:bodyPr>
-          <a:lstStyle/>
-          <a:p>
-            <a:r>
-              <a:rPr lang="en-US" dirty="0" smtClean="0">
-                <a:latin typeface="Helvetica"/>
-                <a:cs typeface="Helvetica"/>
-              </a:rPr>
-              <a:t>Add Features</a:t>
-            </a:r>
-            <a:endParaRPr lang="en-US" dirty="0">
-              <a:latin typeface="Helvetica"/>
-              <a:cs typeface="Helvetica"/>
-            </a:endParaRPr>
-          </a:p>
-        </p:txBody>
-      </p:sp>
-      <p:sp>
-        <p:nvSpPr>
-          <p:cNvPr id="20" name="TextBox 19"/>
-          <p:cNvSpPr txBox="1"/>
-          <p:nvPr/>
-        </p:nvSpPr>
-        <p:spPr>
-          <a:xfrm>
-            <a:off x="4552055" y="2087618"/>
-            <a:ext cx="1953962" cy="307777"/>
-          </a:xfrm>
-          <a:prstGeom prst="rect">
-            <a:avLst/>
-          </a:prstGeom>
-          <a:noFill/>
-        </p:spPr>
-        <p:txBody>
-          <a:bodyPr wrap="none" rtlCol="0">
-            <a:spAutoFit/>
-          </a:bodyPr>
-          <a:lstStyle/>
-          <a:p>
-            <a:r>
-              <a:rPr lang="en-US" sz="1400" i="1" u="sng" dirty="0" err="1">
-                <a:solidFill>
-                  <a:srgbClr val="0000FF"/>
-                </a:solidFill>
-                <a:latin typeface="Courier New"/>
-                <a:cs typeface="Courier New"/>
-              </a:rPr>
-              <a:t>p</a:t>
-            </a:r>
-            <a:r>
-              <a:rPr lang="en-US" sz="1400" i="1" u="sng" dirty="0" err="1" smtClean="0">
-                <a:solidFill>
-                  <a:srgbClr val="0000FF"/>
-                </a:solidFill>
-                <a:latin typeface="Courier New"/>
-                <a:cs typeface="Courier New"/>
-              </a:rPr>
-              <a:t>y</a:t>
-            </a:r>
-            <a:r>
-              <a:rPr lang="en-US" sz="1400" i="1" u="sng" dirty="0" smtClean="0">
-                <a:solidFill>
-                  <a:srgbClr val="0000FF"/>
-                </a:solidFill>
-                <a:latin typeface="Courier New"/>
-                <a:cs typeface="Courier New"/>
-              </a:rPr>
-              <a:t>-spark-</a:t>
-            </a:r>
-            <a:r>
-              <a:rPr lang="en-US" sz="1400" i="1" u="sng" dirty="0" err="1" smtClean="0">
-                <a:solidFill>
-                  <a:srgbClr val="0000FF"/>
-                </a:solidFill>
-                <a:latin typeface="Courier New"/>
-                <a:cs typeface="Courier New"/>
-              </a:rPr>
-              <a:t>feat.py</a:t>
-            </a:r>
-            <a:endParaRPr lang="en-US" sz="1400" i="1" u="sng" dirty="0">
-              <a:solidFill>
-                <a:srgbClr val="0000FF"/>
-              </a:solidFill>
-              <a:latin typeface="Courier New"/>
-              <a:cs typeface="Courier New"/>
-            </a:endParaRPr>
-          </a:p>
-        </p:txBody>
-      </p:sp>
-      <p:sp>
-        <p:nvSpPr>
-          <p:cNvPr id="21" name="TextBox 20"/>
-          <p:cNvSpPr txBox="1"/>
-          <p:nvPr/>
-        </p:nvSpPr>
-        <p:spPr>
-          <a:xfrm>
-            <a:off x="5344618" y="4157656"/>
-            <a:ext cx="599136" cy="369332"/>
-          </a:xfrm>
-          <a:prstGeom prst="rect">
-            <a:avLst/>
-          </a:prstGeom>
-          <a:noFill/>
-          <a:ln>
-            <a:solidFill>
-              <a:srgbClr val="3366FF"/>
-            </a:solidFill>
-          </a:ln>
-          <a:effectLst>
-            <a:softEdge rad="558800"/>
-          </a:effectLst>
-        </p:spPr>
-        <p:txBody>
-          <a:bodyPr wrap="square" rtlCol="0">
-            <a:spAutoFit/>
-          </a:bodyPr>
-          <a:lstStyle/>
-          <a:p>
-            <a:r>
-              <a:rPr lang="en-US" dirty="0" smtClean="0">
-                <a:solidFill>
-                  <a:schemeClr val="bg1">
-                    <a:lumMod val="75000"/>
-                  </a:schemeClr>
-                </a:solidFill>
-                <a:latin typeface="Helvetica"/>
-                <a:cs typeface="Helvetica"/>
-              </a:rPr>
-              <a:t>50</a:t>
-            </a:r>
-            <a:endParaRPr lang="en-US" dirty="0">
-              <a:solidFill>
-                <a:schemeClr val="bg1">
-                  <a:lumMod val="75000"/>
-                </a:schemeClr>
-              </a:solidFill>
-              <a:latin typeface="Helvetica"/>
-              <a:cs typeface="Helvetica"/>
-            </a:endParaRPr>
-          </a:p>
-        </p:txBody>
-      </p:sp>
     </p:spTree>
     <p:extLst>
       <p:ext uri="{BB962C8B-B14F-4D97-AF65-F5344CB8AC3E}">
@@ -3851,10 +3867,10 @@
         </p:nvGrpSpPr>
         <p:grpSpPr>
           <a:xfrm>
-            <a:off x="1662843" y="1385268"/>
-            <a:ext cx="6075269" cy="4533235"/>
-            <a:chOff x="1662843" y="1385268"/>
-            <a:chExt cx="6075269" cy="4533235"/>
+            <a:off x="1662843" y="1322439"/>
+            <a:ext cx="6075269" cy="4596060"/>
+            <a:chOff x="1662843" y="1322439"/>
+            <a:chExt cx="6075269" cy="4596060"/>
           </a:xfrm>
         </p:grpSpPr>
         <p:grpSp>
@@ -3865,10 +3881,10 @@
           </p:nvGrpSpPr>
           <p:grpSpPr>
             <a:xfrm>
-              <a:off x="1662843" y="1385268"/>
-              <a:ext cx="6075269" cy="4533235"/>
-              <a:chOff x="1662843" y="1385268"/>
-              <a:chExt cx="6075269" cy="3485711"/>
+              <a:off x="1662843" y="1322439"/>
+              <a:ext cx="6075269" cy="4596060"/>
+              <a:chOff x="1662843" y="1336959"/>
+              <a:chExt cx="6075269" cy="3534020"/>
             </a:xfrm>
           </p:grpSpPr>
           <p:sp>
@@ -3880,7 +3896,7 @@
             <p:spPr>
               <a:xfrm>
                 <a:off x="1662843" y="1387968"/>
-                <a:ext cx="6075269" cy="366632"/>
+                <a:ext cx="6075269" cy="280310"/>
               </a:xfrm>
               <a:prstGeom prst="rect">
                 <a:avLst/>
@@ -3927,7 +3943,7 @@
             </p:nvSpPr>
             <p:spPr>
               <a:xfrm>
-                <a:off x="3286279" y="1417377"/>
+                <a:off x="3301220" y="1336959"/>
                 <a:ext cx="2801646" cy="331319"/>
               </a:xfrm>
               <a:prstGeom prst="rect">
@@ -4019,7 +4035,7 @@
           <p:spPr>
             <a:xfrm>
               <a:off x="1780682" y="1935218"/>
-              <a:ext cx="2840516" cy="369332"/>
+              <a:ext cx="3096777" cy="430887"/>
             </a:xfrm>
             <a:prstGeom prst="rect">
               <a:avLst/>
@@ -4040,7 +4056,7 @@
                 <a:t>Convergence: </a:t>
               </a:r>
               <a:r>
-                <a:rPr lang="en-US" i="1" u="sng" dirty="0" smtClean="0">
+                <a:rPr lang="en-US" sz="2200" i="1" u="sng" dirty="0" smtClean="0">
                   <a:solidFill>
                     <a:srgbClr val="FF0000"/>
                   </a:solidFill>
@@ -4050,7 +4066,7 @@
                 <a:t>102.1 </a:t>
               </a:r>
               <a:r>
-                <a:rPr lang="en-US" i="1" u="sng" dirty="0" err="1" smtClean="0">
+                <a:rPr lang="en-US" sz="2200" i="1" u="sng" dirty="0" err="1" smtClean="0">
                   <a:solidFill>
                     <a:srgbClr val="FF0000"/>
                   </a:solidFill>
@@ -4059,7 +4075,7 @@
                 </a:rPr>
                 <a:t>secs</a:t>
               </a:r>
-              <a:endParaRPr lang="en-US" i="1" u="sng" dirty="0" smtClean="0">
+              <a:endParaRPr lang="en-US" sz="2200" i="1" u="sng" dirty="0" smtClean="0">
                 <a:solidFill>
                   <a:srgbClr val="FF0000"/>
                 </a:solidFill>
@@ -4077,8 +4093,8 @@
           </p:nvSpPr>
           <p:spPr>
             <a:xfrm>
-              <a:off x="1819961" y="3763655"/>
-              <a:ext cx="3490296" cy="369332"/>
+              <a:off x="1819961" y="3793537"/>
+              <a:ext cx="3601135" cy="430887"/>
             </a:xfrm>
             <a:prstGeom prst="rect">
               <a:avLst/>
@@ -4099,7 +4115,7 @@
                 <a:t>Cross-Validation Accuracy: </a:t>
               </a:r>
               <a:r>
-                <a:rPr lang="en-US" i="1" u="sng" dirty="0" smtClean="0">
+                <a:rPr lang="en-US" sz="2200" i="1" u="sng" dirty="0" smtClean="0">
                   <a:solidFill>
                     <a:srgbClr val="FF0000"/>
                   </a:solidFill>
@@ -4108,7 +4124,7 @@
                 </a:rPr>
                 <a:t>78%</a:t>
               </a:r>
-              <a:endParaRPr lang="en-US" i="1" u="sng" dirty="0">
+              <a:endParaRPr lang="en-US" sz="2200" i="1" u="sng" dirty="0">
                 <a:solidFill>
                   <a:srgbClr val="FF0000"/>
                 </a:solidFill>
@@ -4589,7 +4605,7 @@
           </p:blipFill>
           <p:spPr>
             <a:xfrm>
-              <a:off x="3750412" y="2317644"/>
+              <a:off x="3750412" y="2377408"/>
               <a:ext cx="1827498" cy="1464316"/>
             </a:xfrm>
             <a:prstGeom prst="rect">
@@ -4644,10 +4660,10 @@
         </p:nvGrpSpPr>
         <p:grpSpPr>
           <a:xfrm>
-            <a:off x="1662843" y="1361780"/>
-            <a:ext cx="6075269" cy="4281748"/>
-            <a:chOff x="1662843" y="1361780"/>
-            <a:chExt cx="6075269" cy="4281748"/>
+            <a:off x="1662843" y="1348972"/>
+            <a:ext cx="6075269" cy="4294556"/>
+            <a:chOff x="1662843" y="1348972"/>
+            <a:chExt cx="6075269" cy="4294556"/>
           </a:xfrm>
         </p:grpSpPr>
         <p:sp>
@@ -4706,8 +4722,8 @@
           </p:nvSpPr>
           <p:spPr>
             <a:xfrm>
-              <a:off x="4258637" y="1361780"/>
-              <a:ext cx="889987" cy="369332"/>
+              <a:off x="4096504" y="1348972"/>
+              <a:ext cx="1198334" cy="430887"/>
             </a:xfrm>
             <a:prstGeom prst="rect">
               <a:avLst/>
@@ -4721,21 +4737,21 @@
             <a:lstStyle/>
             <a:p>
               <a:r>
-                <a:rPr lang="en-US" dirty="0" smtClean="0">
+                <a:rPr lang="en-US" sz="2200" dirty="0" smtClean="0">
                   <a:solidFill>
                     <a:schemeClr val="bg1"/>
                   </a:solidFill>
-                  <a:latin typeface="Helvetica Neue Thin"/>
-                  <a:cs typeface="Helvetica Neue Thin"/>
+                  <a:latin typeface="Avenir Heavy"/>
+                  <a:cs typeface="Avenir Heavy"/>
                 </a:rPr>
                 <a:t>Explore</a:t>
               </a:r>
-              <a:endParaRPr lang="en-US" dirty="0">
+              <a:endParaRPr lang="en-US" sz="2200" dirty="0">
                 <a:solidFill>
                   <a:schemeClr val="bg1"/>
                 </a:solidFill>
-                <a:latin typeface="Helvetica Neue Thin"/>
-                <a:cs typeface="Helvetica Neue Thin"/>
+                <a:latin typeface="Avenir Heavy"/>
+                <a:cs typeface="Avenir Heavy"/>
               </a:endParaRPr>
             </a:p>
           </p:txBody>
@@ -4910,7 +4926,7 @@
           <p:nvPr>
             <p:extLst>
               <p:ext uri="{D42A27DB-BD31-4B8C-83A1-F6EECF244321}">
-                <p14:modId xmlns:p14="http://schemas.microsoft.com/office/powerpoint/2010/main" val="1645717512"/>
+                <p14:modId xmlns:p14="http://schemas.microsoft.com/office/powerpoint/2010/main" val="2601953599"/>
               </p:ext>
             </p:extLst>
           </p:nvPr>
@@ -7711,6 +7727,3067 @@
 </file>
 
 <file path=ppt/slides/slide5.xml><?xml version="1.0" encoding="utf-8"?>
+<p:sld xmlns:a="http://schemas.openxmlformats.org/drawingml/2006/main" xmlns:r="http://schemas.openxmlformats.org/officeDocument/2006/relationships" xmlns:p="http://schemas.openxmlformats.org/presentationml/2006/main">
+  <p:cSld>
+    <p:spTree>
+      <p:nvGrpSpPr>
+        <p:cNvPr id="1" name=""/>
+        <p:cNvGrpSpPr/>
+        <p:nvPr/>
+      </p:nvGrpSpPr>
+      <p:grpSpPr>
+        <a:xfrm>
+          <a:off x="0" y="0"/>
+          <a:ext cx="0" cy="0"/>
+          <a:chOff x="0" y="0"/>
+          <a:chExt cx="0" cy="0"/>
+        </a:xfrm>
+      </p:grpSpPr>
+      <p:sp>
+        <p:nvSpPr>
+          <p:cNvPr id="6" name="Rectangle 5"/>
+          <p:cNvSpPr/>
+          <p:nvPr/>
+        </p:nvSpPr>
+        <p:spPr>
+          <a:xfrm>
+            <a:off x="184194" y="5115137"/>
+            <a:ext cx="5249507" cy="366632"/>
+          </a:xfrm>
+          <a:prstGeom prst="rect">
+            <a:avLst/>
+          </a:prstGeom>
+          <a:solidFill>
+            <a:schemeClr val="tx1">
+              <a:lumMod val="85000"/>
+              <a:lumOff val="15000"/>
+            </a:schemeClr>
+          </a:solidFill>
+          <a:ln>
+            <a:noFill/>
+          </a:ln>
+          <a:effectLst/>
+        </p:spPr>
+        <p:style>
+          <a:lnRef idx="1">
+            <a:schemeClr val="accent1"/>
+          </a:lnRef>
+          <a:fillRef idx="3">
+            <a:schemeClr val="accent1"/>
+          </a:fillRef>
+          <a:effectRef idx="2">
+            <a:schemeClr val="accent1"/>
+          </a:effectRef>
+          <a:fontRef idx="minor">
+            <a:schemeClr val="lt1"/>
+          </a:fontRef>
+        </p:style>
+        <p:txBody>
+          <a:bodyPr rtlCol="0" anchor="ctr"/>
+          <a:lstStyle/>
+          <a:p>
+            <a:pPr algn="ctr"/>
+            <a:endParaRPr lang="en-US"/>
+          </a:p>
+        </p:txBody>
+      </p:sp>
+      <p:sp>
+        <p:nvSpPr>
+          <p:cNvPr id="7" name="TextBox 6"/>
+          <p:cNvSpPr txBox="1"/>
+          <p:nvPr/>
+        </p:nvSpPr>
+        <p:spPr>
+          <a:xfrm>
+            <a:off x="2276976" y="5082346"/>
+            <a:ext cx="926652" cy="430887"/>
+          </a:xfrm>
+          <a:prstGeom prst="rect">
+            <a:avLst/>
+          </a:prstGeom>
+          <a:noFill/>
+        </p:spPr>
+        <p:txBody>
+          <a:bodyPr wrap="none" rtlCol="0">
+            <a:spAutoFit/>
+          </a:bodyPr>
+          <a:lstStyle/>
+          <a:p>
+            <a:r>
+              <a:rPr lang="en-US" sz="2200" dirty="0" smtClean="0">
+                <a:solidFill>
+                  <a:schemeClr val="bg1"/>
+                </a:solidFill>
+                <a:latin typeface="Avenir Heavy"/>
+                <a:cs typeface="Avenir Heavy"/>
+              </a:rPr>
+              <a:t>Clean</a:t>
+            </a:r>
+            <a:endParaRPr lang="en-US" sz="2200" dirty="0">
+              <a:solidFill>
+                <a:schemeClr val="bg1"/>
+              </a:solidFill>
+              <a:latin typeface="Avenir Heavy"/>
+              <a:cs typeface="Avenir Heavy"/>
+            </a:endParaRPr>
+          </a:p>
+        </p:txBody>
+      </p:sp>
+      <p:sp>
+        <p:nvSpPr>
+          <p:cNvPr id="13" name="Rectangle 12"/>
+          <p:cNvSpPr/>
+          <p:nvPr/>
+        </p:nvSpPr>
+        <p:spPr>
+          <a:xfrm>
+            <a:off x="184195" y="5112438"/>
+            <a:ext cx="5249506" cy="2191704"/>
+          </a:xfrm>
+          <a:prstGeom prst="rect">
+            <a:avLst/>
+          </a:prstGeom>
+          <a:noFill/>
+          <a:ln w="34925">
+            <a:solidFill>
+              <a:schemeClr val="tx1">
+                <a:lumMod val="50000"/>
+                <a:lumOff val="50000"/>
+              </a:schemeClr>
+            </a:solidFill>
+          </a:ln>
+          <a:effectLst/>
+        </p:spPr>
+        <p:style>
+          <a:lnRef idx="1">
+            <a:schemeClr val="accent1"/>
+          </a:lnRef>
+          <a:fillRef idx="3">
+            <a:schemeClr val="accent1"/>
+          </a:fillRef>
+          <a:effectRef idx="2">
+            <a:schemeClr val="accent1"/>
+          </a:effectRef>
+          <a:fontRef idx="minor">
+            <a:schemeClr val="lt1"/>
+          </a:fontRef>
+        </p:style>
+        <p:txBody>
+          <a:bodyPr rtlCol="0" anchor="ctr"/>
+          <a:lstStyle/>
+          <a:p>
+            <a:pPr algn="ctr"/>
+            <a:endParaRPr lang="en-US"/>
+          </a:p>
+        </p:txBody>
+      </p:sp>
+      <p:graphicFrame>
+        <p:nvGraphicFramePr>
+          <p:cNvPr id="20" name="Table 19"/>
+          <p:cNvGraphicFramePr>
+            <a:graphicFrameLocks noGrp="1"/>
+          </p:cNvGraphicFramePr>
+          <p:nvPr>
+            <p:extLst>
+              <p:ext uri="{D42A27DB-BD31-4B8C-83A1-F6EECF244321}">
+                <p14:modId xmlns:p14="http://schemas.microsoft.com/office/powerpoint/2010/main" val="2988549742"/>
+              </p:ext>
+            </p:extLst>
+          </p:nvPr>
+        </p:nvGraphicFramePr>
+        <p:xfrm>
+          <a:off x="450354" y="5728796"/>
+          <a:ext cx="4695294" cy="1112520"/>
+        </p:xfrm>
+        <a:graphic>
+          <a:graphicData uri="http://schemas.openxmlformats.org/drawingml/2006/table">
+            <a:tbl>
+              <a:tblPr firstRow="1" bandRow="1">
+                <a:tableStyleId>{69012ECD-51FC-41F1-AA8D-1B2483CD663E}</a:tableStyleId>
+              </a:tblPr>
+              <a:tblGrid>
+                <a:gridCol w="1024654"/>
+                <a:gridCol w="3670640"/>
+              </a:tblGrid>
+              <a:tr h="370840">
+                <a:tc>
+                  <a:txBody>
+                    <a:bodyPr/>
+                    <a:lstStyle/>
+                    <a:p>
+                      <a:r>
+                        <a:rPr lang="en-US" dirty="0" smtClean="0">
+                          <a:latin typeface="Helvetica"/>
+                          <a:cs typeface="Helvetica"/>
+                        </a:rPr>
+                        <a:t>Data</a:t>
+                      </a:r>
+                      <a:endParaRPr lang="en-US" dirty="0">
+                        <a:latin typeface="Helvetica"/>
+                        <a:cs typeface="Helvetica"/>
+                      </a:endParaRPr>
+                    </a:p>
+                  </a:txBody>
+                  <a:tcPr/>
+                </a:tc>
+                <a:tc>
+                  <a:txBody>
+                    <a:bodyPr/>
+                    <a:lstStyle/>
+                    <a:p>
+                      <a:endParaRPr lang="en-US" dirty="0"/>
+                    </a:p>
+                  </a:txBody>
+                  <a:tcPr/>
+                </a:tc>
+              </a:tr>
+              <a:tr h="370840">
+                <a:tc>
+                  <a:txBody>
+                    <a:bodyPr/>
+                    <a:lstStyle/>
+                    <a:p>
+                      <a:pPr marL="0" marR="0" indent="0" algn="l" defTabSz="457200" rtl="0" eaLnBrk="1" fontAlgn="auto" latinLnBrk="0" hangingPunct="1">
+                        <a:lnSpc>
+                          <a:spcPct val="100000"/>
+                        </a:lnSpc>
+                        <a:spcBef>
+                          <a:spcPts val="0"/>
+                        </a:spcBef>
+                        <a:spcAft>
+                          <a:spcPts val="0"/>
+                        </a:spcAft>
+                        <a:buClrTx/>
+                        <a:buSzTx/>
+                        <a:buFontTx/>
+                        <a:buNone/>
+                        <a:tabLst/>
+                        <a:defRPr/>
+                      </a:pPr>
+                      <a:r>
+                        <a:rPr lang="en-US" sz="1800" u="sng" dirty="0" smtClean="0">
+                          <a:solidFill>
+                            <a:srgbClr val="3366FF"/>
+                          </a:solidFill>
+                          <a:latin typeface="Helvetica"/>
+                          <a:cs typeface="Helvetica"/>
+                        </a:rPr>
+                        <a:t>104567</a:t>
+                      </a:r>
+                    </a:p>
+                  </a:txBody>
+                  <a:tcPr/>
+                </a:tc>
+                <a:tc>
+                  <a:txBody>
+                    <a:bodyPr/>
+                    <a:lstStyle/>
+                    <a:p>
+                      <a:endParaRPr lang="en-US" dirty="0"/>
+                    </a:p>
+                  </a:txBody>
+                  <a:tcPr/>
+                </a:tc>
+              </a:tr>
+              <a:tr h="370840">
+                <a:tc>
+                  <a:txBody>
+                    <a:bodyPr/>
+                    <a:lstStyle/>
+                    <a:p>
+                      <a:pPr marL="0" marR="0" indent="0" algn="l" defTabSz="457200" rtl="0" eaLnBrk="1" fontAlgn="auto" latinLnBrk="0" hangingPunct="1">
+                        <a:lnSpc>
+                          <a:spcPct val="100000"/>
+                        </a:lnSpc>
+                        <a:spcBef>
+                          <a:spcPts val="0"/>
+                        </a:spcBef>
+                        <a:spcAft>
+                          <a:spcPts val="0"/>
+                        </a:spcAft>
+                        <a:buClrTx/>
+                        <a:buSzTx/>
+                        <a:buFontTx/>
+                        <a:buNone/>
+                        <a:tabLst/>
+                        <a:defRPr/>
+                      </a:pPr>
+                      <a:r>
+                        <a:rPr lang="en-US" sz="1800" u="sng" dirty="0" smtClean="0">
+                          <a:solidFill>
+                            <a:srgbClr val="3366FF"/>
+                          </a:solidFill>
+                          <a:latin typeface="Helvetica"/>
+                          <a:cs typeface="Helvetica"/>
+                        </a:rPr>
+                        <a:t>104561</a:t>
+                      </a:r>
+                    </a:p>
+                  </a:txBody>
+                  <a:tcPr/>
+                </a:tc>
+                <a:tc>
+                  <a:txBody>
+                    <a:bodyPr/>
+                    <a:lstStyle/>
+                    <a:p>
+                      <a:endParaRPr lang="en-US" dirty="0"/>
+                    </a:p>
+                  </a:txBody>
+                  <a:tcPr/>
+                </a:tc>
+              </a:tr>
+            </a:tbl>
+          </a:graphicData>
+        </a:graphic>
+      </p:graphicFrame>
+      <p:sp>
+        <p:nvSpPr>
+          <p:cNvPr id="22" name="TextBox 21"/>
+          <p:cNvSpPr txBox="1"/>
+          <p:nvPr/>
+        </p:nvSpPr>
+        <p:spPr>
+          <a:xfrm>
+            <a:off x="2647461" y="6073302"/>
+            <a:ext cx="1025105" cy="338554"/>
+          </a:xfrm>
+          <a:prstGeom prst="rect">
+            <a:avLst/>
+          </a:prstGeom>
+          <a:noFill/>
+        </p:spPr>
+        <p:txBody>
+          <a:bodyPr wrap="square" rtlCol="0">
+            <a:spAutoFit/>
+          </a:bodyPr>
+          <a:lstStyle/>
+          <a:p>
+            <a:r>
+              <a:rPr lang="en-US" sz="1600" u="sng" dirty="0" smtClean="0">
+                <a:solidFill>
+                  <a:srgbClr val="FF0000"/>
+                </a:solidFill>
+                <a:latin typeface="Helvetica"/>
+                <a:cs typeface="Helvetica"/>
+              </a:rPr>
+              <a:t>Remove</a:t>
+            </a:r>
+            <a:endParaRPr lang="en-US" sz="1600" u="sng" dirty="0">
+              <a:solidFill>
+                <a:srgbClr val="FF0000"/>
+              </a:solidFill>
+              <a:latin typeface="Helvetica"/>
+              <a:cs typeface="Helvetica"/>
+            </a:endParaRPr>
+          </a:p>
+        </p:txBody>
+      </p:sp>
+      <p:sp>
+        <p:nvSpPr>
+          <p:cNvPr id="25" name="TextBox 24"/>
+          <p:cNvSpPr txBox="1"/>
+          <p:nvPr/>
+        </p:nvSpPr>
+        <p:spPr>
+          <a:xfrm>
+            <a:off x="2045171" y="6084829"/>
+            <a:ext cx="602290" cy="338554"/>
+          </a:xfrm>
+          <a:prstGeom prst="rect">
+            <a:avLst/>
+          </a:prstGeom>
+          <a:noFill/>
+        </p:spPr>
+        <p:txBody>
+          <a:bodyPr wrap="square" rtlCol="0">
+            <a:spAutoFit/>
+          </a:bodyPr>
+          <a:lstStyle/>
+          <a:p>
+            <a:r>
+              <a:rPr lang="en-US" sz="1600" u="sng" dirty="0" smtClean="0">
+                <a:solidFill>
+                  <a:srgbClr val="008000"/>
+                </a:solidFill>
+                <a:latin typeface="Helvetica"/>
+                <a:cs typeface="Helvetica"/>
+              </a:rPr>
+              <a:t>OK</a:t>
+            </a:r>
+            <a:r>
+              <a:rPr lang="en-US" sz="1600" dirty="0" smtClean="0">
+                <a:solidFill>
+                  <a:srgbClr val="FF0000"/>
+                </a:solidFill>
+                <a:latin typeface="Helvetica"/>
+                <a:cs typeface="Helvetica"/>
+              </a:rPr>
+              <a:t> </a:t>
+            </a:r>
+            <a:endParaRPr lang="en-US" sz="1600" dirty="0">
+              <a:solidFill>
+                <a:srgbClr val="FF0000"/>
+              </a:solidFill>
+              <a:latin typeface="Helvetica"/>
+              <a:cs typeface="Helvetica"/>
+            </a:endParaRPr>
+          </a:p>
+        </p:txBody>
+      </p:sp>
+      <p:sp>
+        <p:nvSpPr>
+          <p:cNvPr id="26" name="TextBox 25"/>
+          <p:cNvSpPr txBox="1"/>
+          <p:nvPr/>
+        </p:nvSpPr>
+        <p:spPr>
+          <a:xfrm>
+            <a:off x="2647461" y="6442634"/>
+            <a:ext cx="1025105" cy="338554"/>
+          </a:xfrm>
+          <a:prstGeom prst="rect">
+            <a:avLst/>
+          </a:prstGeom>
+          <a:noFill/>
+        </p:spPr>
+        <p:txBody>
+          <a:bodyPr wrap="square" rtlCol="0">
+            <a:spAutoFit/>
+          </a:bodyPr>
+          <a:lstStyle/>
+          <a:p>
+            <a:r>
+              <a:rPr lang="en-US" sz="1600" u="sng" dirty="0" smtClean="0">
+                <a:solidFill>
+                  <a:srgbClr val="FF0000"/>
+                </a:solidFill>
+                <a:latin typeface="Helvetica"/>
+                <a:cs typeface="Helvetica"/>
+              </a:rPr>
+              <a:t>Remove</a:t>
+            </a:r>
+            <a:endParaRPr lang="en-US" sz="1600" u="sng" dirty="0">
+              <a:solidFill>
+                <a:srgbClr val="FF0000"/>
+              </a:solidFill>
+              <a:latin typeface="Helvetica"/>
+              <a:cs typeface="Helvetica"/>
+            </a:endParaRPr>
+          </a:p>
+        </p:txBody>
+      </p:sp>
+      <p:sp>
+        <p:nvSpPr>
+          <p:cNvPr id="27" name="TextBox 26"/>
+          <p:cNvSpPr txBox="1"/>
+          <p:nvPr/>
+        </p:nvSpPr>
+        <p:spPr>
+          <a:xfrm>
+            <a:off x="2045171" y="6454161"/>
+            <a:ext cx="602290" cy="338554"/>
+          </a:xfrm>
+          <a:prstGeom prst="rect">
+            <a:avLst/>
+          </a:prstGeom>
+          <a:noFill/>
+        </p:spPr>
+        <p:txBody>
+          <a:bodyPr wrap="square" rtlCol="0">
+            <a:spAutoFit/>
+          </a:bodyPr>
+          <a:lstStyle/>
+          <a:p>
+            <a:r>
+              <a:rPr lang="en-US" sz="1600" u="sng" dirty="0" smtClean="0">
+                <a:solidFill>
+                  <a:srgbClr val="008000"/>
+                </a:solidFill>
+                <a:latin typeface="Helvetica"/>
+                <a:cs typeface="Helvetica"/>
+              </a:rPr>
+              <a:t>OK</a:t>
+            </a:r>
+            <a:r>
+              <a:rPr lang="en-US" sz="1600" dirty="0" smtClean="0">
+                <a:solidFill>
+                  <a:srgbClr val="FF0000"/>
+                </a:solidFill>
+                <a:latin typeface="Helvetica"/>
+                <a:cs typeface="Helvetica"/>
+              </a:rPr>
+              <a:t> </a:t>
+            </a:r>
+            <a:endParaRPr lang="en-US" sz="1600" dirty="0">
+              <a:solidFill>
+                <a:srgbClr val="FF0000"/>
+              </a:solidFill>
+              <a:latin typeface="Helvetica"/>
+              <a:cs typeface="Helvetica"/>
+            </a:endParaRPr>
+          </a:p>
+        </p:txBody>
+      </p:sp>
+      <p:sp>
+        <p:nvSpPr>
+          <p:cNvPr id="28" name="TextBox 27"/>
+          <p:cNvSpPr txBox="1"/>
+          <p:nvPr/>
+        </p:nvSpPr>
+        <p:spPr>
+          <a:xfrm>
+            <a:off x="3702668" y="6084829"/>
+            <a:ext cx="1025105" cy="338554"/>
+          </a:xfrm>
+          <a:prstGeom prst="rect">
+            <a:avLst/>
+          </a:prstGeom>
+          <a:noFill/>
+        </p:spPr>
+        <p:txBody>
+          <a:bodyPr wrap="square" rtlCol="0">
+            <a:spAutoFit/>
+          </a:bodyPr>
+          <a:lstStyle/>
+          <a:p>
+            <a:r>
+              <a:rPr lang="en-US" sz="1600" u="sng" dirty="0" smtClean="0">
+                <a:solidFill>
+                  <a:srgbClr val="3366FF"/>
+                </a:solidFill>
+                <a:latin typeface="Helvetica"/>
+                <a:cs typeface="Helvetica"/>
+              </a:rPr>
+              <a:t>Clean</a:t>
+            </a:r>
+            <a:endParaRPr lang="en-US" sz="1600" u="sng" dirty="0">
+              <a:solidFill>
+                <a:srgbClr val="3366FF"/>
+              </a:solidFill>
+              <a:latin typeface="Helvetica"/>
+              <a:cs typeface="Helvetica"/>
+            </a:endParaRPr>
+          </a:p>
+        </p:txBody>
+      </p:sp>
+      <p:sp>
+        <p:nvSpPr>
+          <p:cNvPr id="29" name="TextBox 28"/>
+          <p:cNvSpPr txBox="1"/>
+          <p:nvPr/>
+        </p:nvSpPr>
+        <p:spPr>
+          <a:xfrm>
+            <a:off x="3711045" y="6423245"/>
+            <a:ext cx="1025105" cy="338554"/>
+          </a:xfrm>
+          <a:prstGeom prst="rect">
+            <a:avLst/>
+          </a:prstGeom>
+          <a:noFill/>
+        </p:spPr>
+        <p:txBody>
+          <a:bodyPr wrap="square" rtlCol="0">
+            <a:spAutoFit/>
+          </a:bodyPr>
+          <a:lstStyle/>
+          <a:p>
+            <a:r>
+              <a:rPr lang="en-US" sz="1600" u="sng" dirty="0" smtClean="0">
+                <a:solidFill>
+                  <a:srgbClr val="3366FF"/>
+                </a:solidFill>
+                <a:latin typeface="Helvetica"/>
+                <a:cs typeface="Helvetica"/>
+              </a:rPr>
+              <a:t>Clean</a:t>
+            </a:r>
+            <a:endParaRPr lang="en-US" sz="1600" u="sng" dirty="0">
+              <a:solidFill>
+                <a:srgbClr val="3366FF"/>
+              </a:solidFill>
+              <a:latin typeface="Helvetica"/>
+              <a:cs typeface="Helvetica"/>
+            </a:endParaRPr>
+          </a:p>
+        </p:txBody>
+      </p:sp>
+      <p:sp>
+        <p:nvSpPr>
+          <p:cNvPr id="30" name="Rectangle 29"/>
+          <p:cNvSpPr/>
+          <p:nvPr/>
+        </p:nvSpPr>
+        <p:spPr>
+          <a:xfrm>
+            <a:off x="4474063" y="4767152"/>
+            <a:ext cx="4669937" cy="1923288"/>
+          </a:xfrm>
+          <a:prstGeom prst="rect">
+            <a:avLst/>
+          </a:prstGeom>
+          <a:solidFill>
+            <a:schemeClr val="bg1"/>
+          </a:solidFill>
+          <a:ln w="34925">
+            <a:solidFill>
+              <a:schemeClr val="tx1">
+                <a:lumMod val="50000"/>
+                <a:lumOff val="50000"/>
+              </a:schemeClr>
+            </a:solidFill>
+          </a:ln>
+          <a:effectLst/>
+        </p:spPr>
+        <p:style>
+          <a:lnRef idx="1">
+            <a:schemeClr val="accent1"/>
+          </a:lnRef>
+          <a:fillRef idx="3">
+            <a:schemeClr val="accent1"/>
+          </a:fillRef>
+          <a:effectRef idx="2">
+            <a:schemeClr val="accent1"/>
+          </a:effectRef>
+          <a:fontRef idx="minor">
+            <a:schemeClr val="lt1"/>
+          </a:fontRef>
+        </p:style>
+        <p:txBody>
+          <a:bodyPr rtlCol="0" anchor="ctr"/>
+          <a:lstStyle/>
+          <a:p>
+            <a:pPr algn="ctr"/>
+            <a:endParaRPr lang="en-US" dirty="0"/>
+          </a:p>
+        </p:txBody>
+      </p:sp>
+      <p:cxnSp>
+        <p:nvCxnSpPr>
+          <p:cNvPr id="34" name="Straight Arrow Connector 33"/>
+          <p:cNvCxnSpPr>
+            <a:endCxn id="30" idx="1"/>
+          </p:cNvCxnSpPr>
+          <p:nvPr/>
+        </p:nvCxnSpPr>
+        <p:spPr>
+          <a:xfrm flipV="1">
+            <a:off x="4150561" y="5728796"/>
+            <a:ext cx="323502" cy="475656"/>
+          </a:xfrm>
+          <a:prstGeom prst="straightConnector1">
+            <a:avLst/>
+          </a:prstGeom>
+          <a:ln w="50800">
+            <a:solidFill>
+              <a:srgbClr val="FFB508"/>
+            </a:solidFill>
+            <a:tailEnd type="triangle"/>
+          </a:ln>
+          <a:effectLst/>
+        </p:spPr>
+        <p:style>
+          <a:lnRef idx="2">
+            <a:schemeClr val="accent1"/>
+          </a:lnRef>
+          <a:fillRef idx="0">
+            <a:schemeClr val="accent1"/>
+          </a:fillRef>
+          <a:effectRef idx="1">
+            <a:schemeClr val="accent1"/>
+          </a:effectRef>
+          <a:fontRef idx="minor">
+            <a:schemeClr val="tx1"/>
+          </a:fontRef>
+        </p:style>
+      </p:cxnSp>
+      <p:sp>
+        <p:nvSpPr>
+          <p:cNvPr id="38" name="Rectangle 37"/>
+          <p:cNvSpPr/>
+          <p:nvPr/>
+        </p:nvSpPr>
+        <p:spPr>
+          <a:xfrm>
+            <a:off x="4474063" y="4767152"/>
+            <a:ext cx="4572000" cy="1384995"/>
+          </a:xfrm>
+          <a:prstGeom prst="rect">
+            <a:avLst/>
+          </a:prstGeom>
+        </p:spPr>
+        <p:txBody>
+          <a:bodyPr>
+            <a:spAutoFit/>
+          </a:bodyPr>
+          <a:lstStyle/>
+          <a:p>
+            <a:r>
+              <a:rPr lang="en-US" sz="1400" dirty="0"/>
+              <a:t>Python 2.7.5 (v2.7.5:ab05e7dd2788, May 13 2013, 13:18:45) </a:t>
+            </a:r>
+          </a:p>
+          <a:p>
+            <a:r>
+              <a:rPr lang="en-US" sz="1400" dirty="0"/>
+              <a:t>[GCC 4.2.1 (Apple Inc. build 5666) (dot 3)] on </a:t>
+            </a:r>
+            <a:r>
+              <a:rPr lang="en-US" sz="1400" dirty="0" err="1"/>
+              <a:t>darwin</a:t>
+            </a:r>
+            <a:endParaRPr lang="en-US" sz="1400" dirty="0"/>
+          </a:p>
+          <a:p>
+            <a:r>
+              <a:rPr lang="en-US" sz="1400" dirty="0"/>
+              <a:t>Type "help", "copyright", "credits" or "license" for more information</a:t>
+            </a:r>
+            <a:r>
+              <a:rPr lang="en-US" sz="1400" dirty="0" smtClean="0"/>
+              <a:t>.</a:t>
+            </a:r>
+          </a:p>
+          <a:p>
+            <a:endParaRPr lang="en-US" sz="1400" dirty="0"/>
+          </a:p>
+          <a:p>
+            <a:r>
+              <a:rPr lang="en-US" sz="1400" dirty="0"/>
+              <a:t>&gt;&gt;&gt;</a:t>
+            </a:r>
+          </a:p>
+        </p:txBody>
+      </p:sp>
+      <p:grpSp>
+        <p:nvGrpSpPr>
+          <p:cNvPr id="15" name="Group 14"/>
+          <p:cNvGrpSpPr/>
+          <p:nvPr/>
+        </p:nvGrpSpPr>
+        <p:grpSpPr>
+          <a:xfrm>
+            <a:off x="1588138" y="123810"/>
+            <a:ext cx="6075269" cy="4294556"/>
+            <a:chOff x="1662843" y="1348972"/>
+            <a:chExt cx="6075269" cy="4294556"/>
+          </a:xfrm>
+        </p:grpSpPr>
+        <p:sp>
+          <p:nvSpPr>
+            <p:cNvPr id="16" name="Rectangle 15"/>
+            <p:cNvSpPr/>
+            <p:nvPr/>
+          </p:nvSpPr>
+          <p:spPr>
+            <a:xfrm>
+              <a:off x="1662843" y="1387968"/>
+              <a:ext cx="6075269" cy="366632"/>
+            </a:xfrm>
+            <a:prstGeom prst="rect">
+              <a:avLst/>
+            </a:prstGeom>
+            <a:solidFill>
+              <a:schemeClr val="tx1">
+                <a:lumMod val="85000"/>
+                <a:lumOff val="15000"/>
+              </a:schemeClr>
+            </a:solidFill>
+            <a:ln>
+              <a:noFill/>
+            </a:ln>
+            <a:effectLst/>
+          </p:spPr>
+          <p:style>
+            <a:lnRef idx="1">
+              <a:schemeClr val="accent1"/>
+            </a:lnRef>
+            <a:fillRef idx="3">
+              <a:schemeClr val="accent1"/>
+            </a:fillRef>
+            <a:effectRef idx="2">
+              <a:schemeClr val="accent1"/>
+            </a:effectRef>
+            <a:fontRef idx="minor">
+              <a:schemeClr val="lt1"/>
+            </a:fontRef>
+          </p:style>
+          <p:txBody>
+            <a:bodyPr rtlCol="0" anchor="ctr"/>
+            <a:lstStyle/>
+            <a:p>
+              <a:pPr algn="ctr"/>
+              <a:endParaRPr lang="en-US"/>
+            </a:p>
+          </p:txBody>
+        </p:sp>
+        <p:sp>
+          <p:nvSpPr>
+            <p:cNvPr id="17" name="TextBox 16"/>
+            <p:cNvSpPr txBox="1"/>
+            <p:nvPr/>
+          </p:nvSpPr>
+          <p:spPr>
+            <a:xfrm>
+              <a:off x="4096504" y="1348972"/>
+              <a:ext cx="1198334" cy="430887"/>
+            </a:xfrm>
+            <a:prstGeom prst="rect">
+              <a:avLst/>
+            </a:prstGeom>
+            <a:noFill/>
+          </p:spPr>
+          <p:txBody>
+            <a:bodyPr wrap="none" rtlCol="0">
+              <a:spAutoFit/>
+            </a:bodyPr>
+            <a:lstStyle/>
+            <a:p>
+              <a:r>
+                <a:rPr lang="en-US" sz="2200" dirty="0" smtClean="0">
+                  <a:solidFill>
+                    <a:schemeClr val="bg1"/>
+                  </a:solidFill>
+                  <a:latin typeface="Avenir Heavy"/>
+                  <a:cs typeface="Avenir Heavy"/>
+                </a:rPr>
+                <a:t>Explore</a:t>
+              </a:r>
+              <a:endParaRPr lang="en-US" sz="2200" dirty="0">
+                <a:solidFill>
+                  <a:schemeClr val="bg1"/>
+                </a:solidFill>
+                <a:latin typeface="Avenir Heavy"/>
+                <a:cs typeface="Avenir Heavy"/>
+              </a:endParaRPr>
+            </a:p>
+          </p:txBody>
+        </p:sp>
+        <p:sp>
+          <p:nvSpPr>
+            <p:cNvPr id="18" name="Rectangle 17"/>
+            <p:cNvSpPr/>
+            <p:nvPr/>
+          </p:nvSpPr>
+          <p:spPr>
+            <a:xfrm>
+              <a:off x="1662843" y="1385268"/>
+              <a:ext cx="6075269" cy="4258260"/>
+            </a:xfrm>
+            <a:prstGeom prst="rect">
+              <a:avLst/>
+            </a:prstGeom>
+            <a:noFill/>
+            <a:ln w="34925">
+              <a:solidFill>
+                <a:schemeClr val="tx1">
+                  <a:lumMod val="50000"/>
+                  <a:lumOff val="50000"/>
+                </a:schemeClr>
+              </a:solidFill>
+            </a:ln>
+            <a:effectLst/>
+          </p:spPr>
+          <p:style>
+            <a:lnRef idx="1">
+              <a:schemeClr val="accent1"/>
+            </a:lnRef>
+            <a:fillRef idx="3">
+              <a:schemeClr val="accent1"/>
+            </a:fillRef>
+            <a:effectRef idx="2">
+              <a:schemeClr val="accent1"/>
+            </a:effectRef>
+            <a:fontRef idx="minor">
+              <a:schemeClr val="lt1"/>
+            </a:fontRef>
+          </p:style>
+          <p:txBody>
+            <a:bodyPr rtlCol="0" anchor="ctr"/>
+            <a:lstStyle/>
+            <a:p>
+              <a:pPr algn="ctr"/>
+              <a:endParaRPr lang="en-US"/>
+            </a:p>
+          </p:txBody>
+        </p:sp>
+      </p:grpSp>
+      <p:cxnSp>
+        <p:nvCxnSpPr>
+          <p:cNvPr id="19" name="Straight Arrow Connector 18"/>
+          <p:cNvCxnSpPr/>
+          <p:nvPr/>
+        </p:nvCxnSpPr>
+        <p:spPr>
+          <a:xfrm>
+            <a:off x="3997296" y="778224"/>
+            <a:ext cx="0" cy="3430637"/>
+          </a:xfrm>
+          <a:prstGeom prst="straightConnector1">
+            <a:avLst/>
+          </a:prstGeom>
+          <a:ln>
+            <a:solidFill>
+              <a:schemeClr val="tx1"/>
+            </a:solidFill>
+            <a:headEnd type="triangle"/>
+            <a:tailEnd type="triangle"/>
+          </a:ln>
+          <a:effectLst/>
+        </p:spPr>
+        <p:style>
+          <a:lnRef idx="2">
+            <a:schemeClr val="accent1"/>
+          </a:lnRef>
+          <a:fillRef idx="0">
+            <a:schemeClr val="accent1"/>
+          </a:fillRef>
+          <a:effectRef idx="1">
+            <a:schemeClr val="accent1"/>
+          </a:effectRef>
+          <a:fontRef idx="minor">
+            <a:schemeClr val="tx1"/>
+          </a:fontRef>
+        </p:style>
+      </p:cxnSp>
+      <p:cxnSp>
+        <p:nvCxnSpPr>
+          <p:cNvPr id="21" name="Straight Arrow Connector 20"/>
+          <p:cNvCxnSpPr/>
+          <p:nvPr/>
+        </p:nvCxnSpPr>
+        <p:spPr>
+          <a:xfrm flipH="1">
+            <a:off x="1954749" y="2349509"/>
+            <a:ext cx="3823230" cy="0"/>
+          </a:xfrm>
+          <a:prstGeom prst="straightConnector1">
+            <a:avLst/>
+          </a:prstGeom>
+          <a:ln>
+            <a:solidFill>
+              <a:schemeClr val="tx1"/>
+            </a:solidFill>
+            <a:headEnd type="triangle"/>
+            <a:tailEnd type="triangle"/>
+          </a:ln>
+          <a:effectLst/>
+        </p:spPr>
+        <p:style>
+          <a:lnRef idx="2">
+            <a:schemeClr val="accent1"/>
+          </a:lnRef>
+          <a:fillRef idx="0">
+            <a:schemeClr val="accent1"/>
+          </a:fillRef>
+          <a:effectRef idx="1">
+            <a:schemeClr val="accent1"/>
+          </a:effectRef>
+          <a:fontRef idx="minor">
+            <a:schemeClr val="tx1"/>
+          </a:fontRef>
+        </p:style>
+      </p:cxnSp>
+      <p:sp>
+        <p:nvSpPr>
+          <p:cNvPr id="23" name="TextBox 22"/>
+          <p:cNvSpPr txBox="1"/>
+          <p:nvPr/>
+        </p:nvSpPr>
+        <p:spPr>
+          <a:xfrm>
+            <a:off x="6183870" y="778224"/>
+            <a:ext cx="1134257" cy="369332"/>
+          </a:xfrm>
+          <a:prstGeom prst="rect">
+            <a:avLst/>
+          </a:prstGeom>
+          <a:noFill/>
+        </p:spPr>
+        <p:txBody>
+          <a:bodyPr wrap="none" rtlCol="0">
+            <a:spAutoFit/>
+          </a:bodyPr>
+          <a:lstStyle/>
+          <a:p>
+            <a:r>
+              <a:rPr lang="en-US" dirty="0" smtClean="0">
+                <a:latin typeface="Helvetica"/>
+                <a:cs typeface="Helvetica"/>
+              </a:rPr>
+              <a:t>Selection</a:t>
+            </a:r>
+            <a:endParaRPr lang="en-US" dirty="0">
+              <a:latin typeface="Helvetica"/>
+              <a:cs typeface="Helvetica"/>
+            </a:endParaRPr>
+          </a:p>
+        </p:txBody>
+      </p:sp>
+      <p:graphicFrame>
+        <p:nvGraphicFramePr>
+          <p:cNvPr id="24" name="Table 23"/>
+          <p:cNvGraphicFramePr>
+            <a:graphicFrameLocks noGrp="1"/>
+          </p:cNvGraphicFramePr>
+          <p:nvPr>
+            <p:extLst>
+              <p:ext uri="{D42A27DB-BD31-4B8C-83A1-F6EECF244321}">
+                <p14:modId xmlns:p14="http://schemas.microsoft.com/office/powerpoint/2010/main" val="381223033"/>
+              </p:ext>
+            </p:extLst>
+          </p:nvPr>
+        </p:nvGraphicFramePr>
+        <p:xfrm>
+          <a:off x="5898291" y="1175655"/>
+          <a:ext cx="1679678" cy="829742"/>
+        </p:xfrm>
+        <a:graphic>
+          <a:graphicData uri="http://schemas.openxmlformats.org/drawingml/2006/table">
+            <a:tbl>
+              <a:tblPr firstRow="1" bandRow="1">
+                <a:tableStyleId>{5940675A-B579-460E-94D1-54222C63F5DA}</a:tableStyleId>
+              </a:tblPr>
+              <a:tblGrid>
+                <a:gridCol w="449783"/>
+                <a:gridCol w="441158"/>
+                <a:gridCol w="788737"/>
+              </a:tblGrid>
+              <a:tr h="199207">
+                <a:tc>
+                  <a:txBody>
+                    <a:bodyPr/>
+                    <a:lstStyle/>
+                    <a:p>
+                      <a:r>
+                        <a:rPr lang="en-US" sz="900" dirty="0" err="1" smtClean="0">
+                          <a:latin typeface="Helvetica"/>
+                          <a:cs typeface="Helvetica"/>
+                        </a:rPr>
+                        <a:t>Pred</a:t>
+                      </a:r>
+                      <a:endParaRPr lang="en-US" sz="900" dirty="0">
+                        <a:latin typeface="Helvetica"/>
+                        <a:cs typeface="Helvetica"/>
+                      </a:endParaRPr>
+                    </a:p>
+                  </a:txBody>
+                  <a:tcPr/>
+                </a:tc>
+                <a:tc>
+                  <a:txBody>
+                    <a:bodyPr/>
+                    <a:lstStyle/>
+                    <a:p>
+                      <a:r>
+                        <a:rPr lang="en-US" sz="900" dirty="0" smtClean="0">
+                          <a:latin typeface="Helvetica"/>
+                          <a:cs typeface="Helvetica"/>
+                        </a:rPr>
+                        <a:t>Act.</a:t>
+                      </a:r>
+                      <a:endParaRPr lang="en-US" sz="900" dirty="0">
+                        <a:latin typeface="Helvetica"/>
+                        <a:cs typeface="Helvetica"/>
+                      </a:endParaRPr>
+                    </a:p>
+                  </a:txBody>
+                  <a:tcPr/>
+                </a:tc>
+                <a:tc>
+                  <a:txBody>
+                    <a:bodyPr/>
+                    <a:lstStyle/>
+                    <a:p>
+                      <a:r>
+                        <a:rPr lang="en-US" sz="900" dirty="0" smtClean="0">
+                          <a:latin typeface="Helvetica"/>
+                          <a:cs typeface="Helvetica"/>
+                        </a:rPr>
+                        <a:t>Base</a:t>
+                      </a:r>
+                      <a:r>
+                        <a:rPr lang="en-US" sz="900" baseline="0" dirty="0" smtClean="0">
+                          <a:latin typeface="Helvetica"/>
+                          <a:cs typeface="Helvetica"/>
+                        </a:rPr>
+                        <a:t> Data</a:t>
+                      </a:r>
+                      <a:endParaRPr lang="en-US" sz="900" dirty="0">
+                        <a:latin typeface="Helvetica"/>
+                        <a:cs typeface="Helvetica"/>
+                      </a:endParaRPr>
+                    </a:p>
+                  </a:txBody>
+                  <a:tcPr/>
+                </a:tc>
+              </a:tr>
+              <a:tr h="300571">
+                <a:tc>
+                  <a:txBody>
+                    <a:bodyPr/>
+                    <a:lstStyle/>
+                    <a:p>
+                      <a:r>
+                        <a:rPr lang="en-US" sz="900" dirty="0" smtClean="0">
+                          <a:latin typeface="Helvetica"/>
+                          <a:cs typeface="Helvetica"/>
+                        </a:rPr>
+                        <a:t>1</a:t>
+                      </a:r>
+                      <a:endParaRPr lang="en-US" sz="900" dirty="0">
+                        <a:latin typeface="Helvetica"/>
+                        <a:cs typeface="Helvetica"/>
+                      </a:endParaRPr>
+                    </a:p>
+                  </a:txBody>
+                  <a:tcPr/>
+                </a:tc>
+                <a:tc>
+                  <a:txBody>
+                    <a:bodyPr/>
+                    <a:lstStyle/>
+                    <a:p>
+                      <a:r>
+                        <a:rPr lang="en-US" sz="900" dirty="0" smtClean="0">
+                          <a:latin typeface="Helvetica"/>
+                          <a:cs typeface="Helvetica"/>
+                        </a:rPr>
+                        <a:t>0</a:t>
+                      </a:r>
+                      <a:endParaRPr lang="en-US" sz="900" dirty="0">
+                        <a:latin typeface="Helvetica"/>
+                        <a:cs typeface="Helvetica"/>
+                      </a:endParaRPr>
+                    </a:p>
+                  </a:txBody>
+                  <a:tcPr/>
+                </a:tc>
+                <a:tc>
+                  <a:txBody>
+                    <a:bodyPr/>
+                    <a:lstStyle/>
+                    <a:p>
+                      <a:r>
+                        <a:rPr lang="en-US" sz="900" u="sng" dirty="0" smtClean="0">
+                          <a:solidFill>
+                            <a:srgbClr val="3366FF"/>
+                          </a:solidFill>
+                          <a:latin typeface="Helvetica"/>
+                          <a:cs typeface="Helvetica"/>
+                        </a:rPr>
+                        <a:t>104567</a:t>
+                      </a:r>
+                      <a:endParaRPr lang="en-US" sz="900" u="sng" dirty="0">
+                        <a:solidFill>
+                          <a:srgbClr val="3366FF"/>
+                        </a:solidFill>
+                        <a:latin typeface="Helvetica"/>
+                        <a:cs typeface="Helvetica"/>
+                      </a:endParaRPr>
+                    </a:p>
+                  </a:txBody>
+                  <a:tcPr/>
+                </a:tc>
+              </a:tr>
+              <a:tr h="300571">
+                <a:tc>
+                  <a:txBody>
+                    <a:bodyPr/>
+                    <a:lstStyle/>
+                    <a:p>
+                      <a:r>
+                        <a:rPr lang="en-US" sz="900" dirty="0" smtClean="0">
+                          <a:latin typeface="Helvetica"/>
+                          <a:cs typeface="Helvetica"/>
+                        </a:rPr>
+                        <a:t>1</a:t>
+                      </a:r>
+                      <a:endParaRPr lang="en-US" sz="900" dirty="0">
+                        <a:latin typeface="Helvetica"/>
+                        <a:cs typeface="Helvetica"/>
+                      </a:endParaRPr>
+                    </a:p>
+                  </a:txBody>
+                  <a:tcPr/>
+                </a:tc>
+                <a:tc>
+                  <a:txBody>
+                    <a:bodyPr/>
+                    <a:lstStyle/>
+                    <a:p>
+                      <a:r>
+                        <a:rPr lang="en-US" sz="900" dirty="0" smtClean="0">
+                          <a:latin typeface="Helvetica"/>
+                          <a:cs typeface="Helvetica"/>
+                        </a:rPr>
+                        <a:t>0</a:t>
+                      </a:r>
+                      <a:endParaRPr lang="en-US" sz="900" dirty="0">
+                        <a:latin typeface="Helvetica"/>
+                        <a:cs typeface="Helvetica"/>
+                      </a:endParaRPr>
+                    </a:p>
+                  </a:txBody>
+                  <a:tcPr/>
+                </a:tc>
+                <a:tc>
+                  <a:txBody>
+                    <a:bodyPr/>
+                    <a:lstStyle/>
+                    <a:p>
+                      <a:pPr marL="0" marR="0" indent="0" algn="l" defTabSz="457200" rtl="0" eaLnBrk="1" fontAlgn="auto" latinLnBrk="0" hangingPunct="1">
+                        <a:lnSpc>
+                          <a:spcPct val="100000"/>
+                        </a:lnSpc>
+                        <a:spcBef>
+                          <a:spcPts val="0"/>
+                        </a:spcBef>
+                        <a:spcAft>
+                          <a:spcPts val="0"/>
+                        </a:spcAft>
+                        <a:buClrTx/>
+                        <a:buSzTx/>
+                        <a:buFontTx/>
+                        <a:buNone/>
+                        <a:tabLst/>
+                        <a:defRPr/>
+                      </a:pPr>
+                      <a:r>
+                        <a:rPr lang="en-US" sz="900" u="sng" dirty="0" smtClean="0">
+                          <a:solidFill>
+                            <a:srgbClr val="3366FF"/>
+                          </a:solidFill>
+                          <a:latin typeface="Helvetica"/>
+                          <a:cs typeface="Helvetica"/>
+                        </a:rPr>
+                        <a:t>104561</a:t>
+                      </a:r>
+                    </a:p>
+                  </a:txBody>
+                  <a:tcPr/>
+                </a:tc>
+              </a:tr>
+            </a:tbl>
+          </a:graphicData>
+        </a:graphic>
+      </p:graphicFrame>
+      <p:sp>
+        <p:nvSpPr>
+          <p:cNvPr id="31" name="Oval 30"/>
+          <p:cNvSpPr/>
+          <p:nvPr/>
+        </p:nvSpPr>
+        <p:spPr>
+          <a:xfrm>
+            <a:off x="2719295" y="1395049"/>
+            <a:ext cx="200526" cy="200526"/>
+          </a:xfrm>
+          <a:prstGeom prst="ellipse">
+            <a:avLst/>
+          </a:prstGeom>
+          <a:noFill/>
+          <a:ln>
+            <a:solidFill>
+              <a:srgbClr val="0000FF"/>
+            </a:solidFill>
+          </a:ln>
+          <a:effectLst/>
+        </p:spPr>
+        <p:style>
+          <a:lnRef idx="1">
+            <a:schemeClr val="accent1"/>
+          </a:lnRef>
+          <a:fillRef idx="3">
+            <a:schemeClr val="accent1"/>
+          </a:fillRef>
+          <a:effectRef idx="2">
+            <a:schemeClr val="accent1"/>
+          </a:effectRef>
+          <a:fontRef idx="minor">
+            <a:schemeClr val="lt1"/>
+          </a:fontRef>
+        </p:style>
+        <p:txBody>
+          <a:bodyPr rtlCol="0" anchor="ctr"/>
+          <a:lstStyle/>
+          <a:p>
+            <a:pPr algn="ctr"/>
+            <a:endParaRPr lang="en-US"/>
+          </a:p>
+        </p:txBody>
+      </p:sp>
+      <p:sp>
+        <p:nvSpPr>
+          <p:cNvPr id="32" name="Oval 31"/>
+          <p:cNvSpPr/>
+          <p:nvPr/>
+        </p:nvSpPr>
+        <p:spPr>
+          <a:xfrm>
+            <a:off x="2879715" y="1823587"/>
+            <a:ext cx="200526" cy="200526"/>
+          </a:xfrm>
+          <a:prstGeom prst="ellipse">
+            <a:avLst/>
+          </a:prstGeom>
+          <a:noFill/>
+          <a:ln>
+            <a:solidFill>
+              <a:srgbClr val="0000FF"/>
+            </a:solidFill>
+          </a:ln>
+          <a:effectLst/>
+        </p:spPr>
+        <p:style>
+          <a:lnRef idx="1">
+            <a:schemeClr val="accent1"/>
+          </a:lnRef>
+          <a:fillRef idx="3">
+            <a:schemeClr val="accent1"/>
+          </a:fillRef>
+          <a:effectRef idx="2">
+            <a:schemeClr val="accent1"/>
+          </a:effectRef>
+          <a:fontRef idx="minor">
+            <a:schemeClr val="lt1"/>
+          </a:fontRef>
+        </p:style>
+        <p:txBody>
+          <a:bodyPr rtlCol="0" anchor="ctr"/>
+          <a:lstStyle/>
+          <a:p>
+            <a:pPr algn="ctr"/>
+            <a:endParaRPr lang="en-US"/>
+          </a:p>
+        </p:txBody>
+      </p:sp>
+      <p:sp>
+        <p:nvSpPr>
+          <p:cNvPr id="33" name="Oval 32"/>
+          <p:cNvSpPr/>
+          <p:nvPr/>
+        </p:nvSpPr>
+        <p:spPr>
+          <a:xfrm>
+            <a:off x="3179177" y="1669262"/>
+            <a:ext cx="200526" cy="200526"/>
+          </a:xfrm>
+          <a:prstGeom prst="ellipse">
+            <a:avLst/>
+          </a:prstGeom>
+          <a:noFill/>
+          <a:ln>
+            <a:solidFill>
+              <a:srgbClr val="0000FF"/>
+            </a:solidFill>
+          </a:ln>
+          <a:effectLst/>
+        </p:spPr>
+        <p:style>
+          <a:lnRef idx="1">
+            <a:schemeClr val="accent1"/>
+          </a:lnRef>
+          <a:fillRef idx="3">
+            <a:schemeClr val="accent1"/>
+          </a:fillRef>
+          <a:effectRef idx="2">
+            <a:schemeClr val="accent1"/>
+          </a:effectRef>
+          <a:fontRef idx="minor">
+            <a:schemeClr val="lt1"/>
+          </a:fontRef>
+        </p:style>
+        <p:txBody>
+          <a:bodyPr rtlCol="0" anchor="ctr"/>
+          <a:lstStyle/>
+          <a:p>
+            <a:pPr algn="ctr"/>
+            <a:endParaRPr lang="en-US"/>
+          </a:p>
+        </p:txBody>
+      </p:sp>
+      <p:sp>
+        <p:nvSpPr>
+          <p:cNvPr id="35" name="Oval 34"/>
+          <p:cNvSpPr/>
+          <p:nvPr/>
+        </p:nvSpPr>
+        <p:spPr>
+          <a:xfrm>
+            <a:off x="4130457" y="2056946"/>
+            <a:ext cx="200526" cy="200526"/>
+          </a:xfrm>
+          <a:prstGeom prst="ellipse">
+            <a:avLst/>
+          </a:prstGeom>
+          <a:noFill/>
+          <a:ln>
+            <a:solidFill>
+              <a:srgbClr val="0000FF"/>
+            </a:solidFill>
+          </a:ln>
+          <a:effectLst/>
+        </p:spPr>
+        <p:style>
+          <a:lnRef idx="1">
+            <a:schemeClr val="accent1"/>
+          </a:lnRef>
+          <a:fillRef idx="3">
+            <a:schemeClr val="accent1"/>
+          </a:fillRef>
+          <a:effectRef idx="2">
+            <a:schemeClr val="accent1"/>
+          </a:effectRef>
+          <a:fontRef idx="minor">
+            <a:schemeClr val="lt1"/>
+          </a:fontRef>
+        </p:style>
+        <p:txBody>
+          <a:bodyPr rtlCol="0" anchor="ctr"/>
+          <a:lstStyle/>
+          <a:p>
+            <a:pPr algn="ctr"/>
+            <a:endParaRPr lang="en-US"/>
+          </a:p>
+        </p:txBody>
+      </p:sp>
+      <p:sp>
+        <p:nvSpPr>
+          <p:cNvPr id="36" name="Oval 35"/>
+          <p:cNvSpPr/>
+          <p:nvPr/>
+        </p:nvSpPr>
+        <p:spPr>
+          <a:xfrm>
+            <a:off x="3500009" y="2510724"/>
+            <a:ext cx="200526" cy="200526"/>
+          </a:xfrm>
+          <a:prstGeom prst="ellipse">
+            <a:avLst/>
+          </a:prstGeom>
+          <a:noFill/>
+          <a:ln>
+            <a:solidFill>
+              <a:srgbClr val="0000FF"/>
+            </a:solidFill>
+          </a:ln>
+          <a:effectLst/>
+        </p:spPr>
+        <p:style>
+          <a:lnRef idx="1">
+            <a:schemeClr val="accent1"/>
+          </a:lnRef>
+          <a:fillRef idx="3">
+            <a:schemeClr val="accent1"/>
+          </a:fillRef>
+          <a:effectRef idx="2">
+            <a:schemeClr val="accent1"/>
+          </a:effectRef>
+          <a:fontRef idx="minor">
+            <a:schemeClr val="lt1"/>
+          </a:fontRef>
+        </p:style>
+        <p:txBody>
+          <a:bodyPr rtlCol="0" anchor="ctr"/>
+          <a:lstStyle/>
+          <a:p>
+            <a:pPr algn="ctr"/>
+            <a:endParaRPr lang="en-US"/>
+          </a:p>
+        </p:txBody>
+      </p:sp>
+      <p:sp>
+        <p:nvSpPr>
+          <p:cNvPr id="37" name="Oval 36"/>
+          <p:cNvSpPr/>
+          <p:nvPr/>
+        </p:nvSpPr>
+        <p:spPr>
+          <a:xfrm>
+            <a:off x="3861210" y="2316295"/>
+            <a:ext cx="200526" cy="200526"/>
+          </a:xfrm>
+          <a:prstGeom prst="ellipse">
+            <a:avLst/>
+          </a:prstGeom>
+          <a:noFill/>
+          <a:ln>
+            <a:solidFill>
+              <a:srgbClr val="0000FF"/>
+            </a:solidFill>
+          </a:ln>
+          <a:effectLst/>
+        </p:spPr>
+        <p:style>
+          <a:lnRef idx="1">
+            <a:schemeClr val="accent1"/>
+          </a:lnRef>
+          <a:fillRef idx="3">
+            <a:schemeClr val="accent1"/>
+          </a:fillRef>
+          <a:effectRef idx="2">
+            <a:schemeClr val="accent1"/>
+          </a:effectRef>
+          <a:fontRef idx="minor">
+            <a:schemeClr val="lt1"/>
+          </a:fontRef>
+        </p:style>
+        <p:txBody>
+          <a:bodyPr rtlCol="0" anchor="ctr"/>
+          <a:lstStyle/>
+          <a:p>
+            <a:pPr algn="ctr"/>
+            <a:endParaRPr lang="en-US"/>
+          </a:p>
+        </p:txBody>
+      </p:sp>
+      <p:sp>
+        <p:nvSpPr>
+          <p:cNvPr id="39" name="Oval 38"/>
+          <p:cNvSpPr/>
+          <p:nvPr/>
+        </p:nvSpPr>
+        <p:spPr>
+          <a:xfrm>
+            <a:off x="3446534" y="2024113"/>
+            <a:ext cx="200526" cy="200526"/>
+          </a:xfrm>
+          <a:prstGeom prst="ellipse">
+            <a:avLst/>
+          </a:prstGeom>
+          <a:noFill/>
+          <a:ln>
+            <a:solidFill>
+              <a:srgbClr val="0000FF"/>
+            </a:solidFill>
+          </a:ln>
+          <a:effectLst/>
+        </p:spPr>
+        <p:style>
+          <a:lnRef idx="1">
+            <a:schemeClr val="accent1"/>
+          </a:lnRef>
+          <a:fillRef idx="3">
+            <a:schemeClr val="accent1"/>
+          </a:fillRef>
+          <a:effectRef idx="2">
+            <a:schemeClr val="accent1"/>
+          </a:effectRef>
+          <a:fontRef idx="minor">
+            <a:schemeClr val="lt1"/>
+          </a:fontRef>
+        </p:style>
+        <p:txBody>
+          <a:bodyPr rtlCol="0" anchor="ctr"/>
+          <a:lstStyle/>
+          <a:p>
+            <a:pPr algn="ctr"/>
+            <a:endParaRPr lang="en-US"/>
+          </a:p>
+        </p:txBody>
+      </p:sp>
+      <p:sp>
+        <p:nvSpPr>
+          <p:cNvPr id="40" name="Oval 39"/>
+          <p:cNvSpPr/>
+          <p:nvPr/>
+        </p:nvSpPr>
+        <p:spPr>
+          <a:xfrm>
+            <a:off x="2811546" y="1615039"/>
+            <a:ext cx="200526" cy="200526"/>
+          </a:xfrm>
+          <a:prstGeom prst="ellipse">
+            <a:avLst/>
+          </a:prstGeom>
+          <a:noFill/>
+          <a:ln>
+            <a:solidFill>
+              <a:srgbClr val="0000FF"/>
+            </a:solidFill>
+          </a:ln>
+          <a:effectLst/>
+        </p:spPr>
+        <p:style>
+          <a:lnRef idx="1">
+            <a:schemeClr val="accent1"/>
+          </a:lnRef>
+          <a:fillRef idx="3">
+            <a:schemeClr val="accent1"/>
+          </a:fillRef>
+          <a:effectRef idx="2">
+            <a:schemeClr val="accent1"/>
+          </a:effectRef>
+          <a:fontRef idx="minor">
+            <a:schemeClr val="lt1"/>
+          </a:fontRef>
+        </p:style>
+        <p:txBody>
+          <a:bodyPr rtlCol="0" anchor="ctr"/>
+          <a:lstStyle/>
+          <a:p>
+            <a:pPr algn="ctr"/>
+            <a:endParaRPr lang="en-US"/>
+          </a:p>
+        </p:txBody>
+      </p:sp>
+      <p:sp>
+        <p:nvSpPr>
+          <p:cNvPr id="41" name="Isosceles Triangle 40"/>
+          <p:cNvSpPr/>
+          <p:nvPr/>
+        </p:nvSpPr>
+        <p:spPr>
+          <a:xfrm>
+            <a:off x="4830614" y="2556925"/>
+            <a:ext cx="162203" cy="139830"/>
+          </a:xfrm>
+          <a:prstGeom prst="triangle">
+            <a:avLst/>
+          </a:prstGeom>
+          <a:noFill/>
+          <a:ln>
+            <a:solidFill>
+              <a:srgbClr val="FF0000"/>
+            </a:solidFill>
+          </a:ln>
+          <a:effectLst/>
+        </p:spPr>
+        <p:style>
+          <a:lnRef idx="1">
+            <a:schemeClr val="accent1"/>
+          </a:lnRef>
+          <a:fillRef idx="3">
+            <a:schemeClr val="accent1"/>
+          </a:fillRef>
+          <a:effectRef idx="2">
+            <a:schemeClr val="accent1"/>
+          </a:effectRef>
+          <a:fontRef idx="minor">
+            <a:schemeClr val="lt1"/>
+          </a:fontRef>
+        </p:style>
+        <p:txBody>
+          <a:bodyPr rtlCol="0" anchor="ctr"/>
+          <a:lstStyle/>
+          <a:p>
+            <a:pPr algn="ctr"/>
+            <a:endParaRPr lang="en-US"/>
+          </a:p>
+        </p:txBody>
+      </p:sp>
+      <p:sp>
+        <p:nvSpPr>
+          <p:cNvPr id="42" name="Oval 41"/>
+          <p:cNvSpPr/>
+          <p:nvPr/>
+        </p:nvSpPr>
+        <p:spPr>
+          <a:xfrm>
+            <a:off x="3032115" y="1975987"/>
+            <a:ext cx="200526" cy="200526"/>
+          </a:xfrm>
+          <a:prstGeom prst="ellipse">
+            <a:avLst/>
+          </a:prstGeom>
+          <a:noFill/>
+          <a:ln>
+            <a:solidFill>
+              <a:srgbClr val="0000FF"/>
+            </a:solidFill>
+          </a:ln>
+          <a:effectLst/>
+        </p:spPr>
+        <p:style>
+          <a:lnRef idx="1">
+            <a:schemeClr val="accent1"/>
+          </a:lnRef>
+          <a:fillRef idx="3">
+            <a:schemeClr val="accent1"/>
+          </a:fillRef>
+          <a:effectRef idx="2">
+            <a:schemeClr val="accent1"/>
+          </a:effectRef>
+          <a:fontRef idx="minor">
+            <a:schemeClr val="lt1"/>
+          </a:fontRef>
+        </p:style>
+        <p:txBody>
+          <a:bodyPr rtlCol="0" anchor="ctr"/>
+          <a:lstStyle/>
+          <a:p>
+            <a:pPr algn="ctr"/>
+            <a:endParaRPr lang="en-US"/>
+          </a:p>
+        </p:txBody>
+      </p:sp>
+      <p:sp>
+        <p:nvSpPr>
+          <p:cNvPr id="43" name="Isosceles Triangle 42"/>
+          <p:cNvSpPr/>
+          <p:nvPr/>
+        </p:nvSpPr>
+        <p:spPr>
+          <a:xfrm>
+            <a:off x="4606025" y="2650554"/>
+            <a:ext cx="152400" cy="152400"/>
+          </a:xfrm>
+          <a:prstGeom prst="triangle">
+            <a:avLst/>
+          </a:prstGeom>
+          <a:noFill/>
+          <a:ln>
+            <a:solidFill>
+              <a:srgbClr val="FF0000"/>
+            </a:solidFill>
+          </a:ln>
+          <a:effectLst/>
+        </p:spPr>
+        <p:style>
+          <a:lnRef idx="1">
+            <a:schemeClr val="accent1"/>
+          </a:lnRef>
+          <a:fillRef idx="3">
+            <a:schemeClr val="accent1"/>
+          </a:fillRef>
+          <a:effectRef idx="2">
+            <a:schemeClr val="accent1"/>
+          </a:effectRef>
+          <a:fontRef idx="minor">
+            <a:schemeClr val="lt1"/>
+          </a:fontRef>
+        </p:style>
+        <p:txBody>
+          <a:bodyPr rtlCol="0" anchor="ctr"/>
+          <a:lstStyle/>
+          <a:p>
+            <a:pPr algn="ctr"/>
+            <a:endParaRPr lang="en-US"/>
+          </a:p>
+        </p:txBody>
+      </p:sp>
+      <p:sp>
+        <p:nvSpPr>
+          <p:cNvPr id="44" name="Isosceles Triangle 43"/>
+          <p:cNvSpPr/>
+          <p:nvPr/>
+        </p:nvSpPr>
+        <p:spPr>
+          <a:xfrm>
+            <a:off x="3997296" y="1622684"/>
+            <a:ext cx="162203" cy="139830"/>
+          </a:xfrm>
+          <a:prstGeom prst="triangle">
+            <a:avLst/>
+          </a:prstGeom>
+          <a:noFill/>
+          <a:ln>
+            <a:solidFill>
+              <a:srgbClr val="FF0000"/>
+            </a:solidFill>
+          </a:ln>
+          <a:effectLst/>
+        </p:spPr>
+        <p:style>
+          <a:lnRef idx="1">
+            <a:schemeClr val="accent1"/>
+          </a:lnRef>
+          <a:fillRef idx="3">
+            <a:schemeClr val="accent1"/>
+          </a:fillRef>
+          <a:effectRef idx="2">
+            <a:schemeClr val="accent1"/>
+          </a:effectRef>
+          <a:fontRef idx="minor">
+            <a:schemeClr val="lt1"/>
+          </a:fontRef>
+        </p:style>
+        <p:txBody>
+          <a:bodyPr rtlCol="0" anchor="ctr"/>
+          <a:lstStyle/>
+          <a:p>
+            <a:pPr algn="ctr"/>
+            <a:endParaRPr lang="en-US"/>
+          </a:p>
+        </p:txBody>
+      </p:sp>
+      <p:sp>
+        <p:nvSpPr>
+          <p:cNvPr id="45" name="Isosceles Triangle 44"/>
+          <p:cNvSpPr/>
+          <p:nvPr/>
+        </p:nvSpPr>
+        <p:spPr>
+          <a:xfrm>
+            <a:off x="4569931" y="2154724"/>
+            <a:ext cx="162203" cy="139830"/>
+          </a:xfrm>
+          <a:prstGeom prst="triangle">
+            <a:avLst/>
+          </a:prstGeom>
+          <a:noFill/>
+          <a:ln>
+            <a:solidFill>
+              <a:srgbClr val="FF0000"/>
+            </a:solidFill>
+          </a:ln>
+          <a:effectLst/>
+        </p:spPr>
+        <p:style>
+          <a:lnRef idx="1">
+            <a:schemeClr val="accent1"/>
+          </a:lnRef>
+          <a:fillRef idx="3">
+            <a:schemeClr val="accent1"/>
+          </a:fillRef>
+          <a:effectRef idx="2">
+            <a:schemeClr val="accent1"/>
+          </a:effectRef>
+          <a:fontRef idx="minor">
+            <a:schemeClr val="lt1"/>
+          </a:fontRef>
+        </p:style>
+        <p:txBody>
+          <a:bodyPr rtlCol="0" anchor="ctr"/>
+          <a:lstStyle/>
+          <a:p>
+            <a:pPr algn="ctr"/>
+            <a:endParaRPr lang="en-US"/>
+          </a:p>
+        </p:txBody>
+      </p:sp>
+      <p:sp>
+        <p:nvSpPr>
+          <p:cNvPr id="46" name="Isosceles Triangle 45"/>
+          <p:cNvSpPr/>
+          <p:nvPr/>
+        </p:nvSpPr>
+        <p:spPr>
+          <a:xfrm>
+            <a:off x="4529825" y="1807168"/>
+            <a:ext cx="152400" cy="152400"/>
+          </a:xfrm>
+          <a:prstGeom prst="triangle">
+            <a:avLst/>
+          </a:prstGeom>
+          <a:noFill/>
+          <a:ln>
+            <a:solidFill>
+              <a:srgbClr val="FF0000"/>
+            </a:solidFill>
+          </a:ln>
+          <a:effectLst/>
+        </p:spPr>
+        <p:style>
+          <a:lnRef idx="1">
+            <a:schemeClr val="accent1"/>
+          </a:lnRef>
+          <a:fillRef idx="3">
+            <a:schemeClr val="accent1"/>
+          </a:fillRef>
+          <a:effectRef idx="2">
+            <a:schemeClr val="accent1"/>
+          </a:effectRef>
+          <a:fontRef idx="minor">
+            <a:schemeClr val="lt1"/>
+          </a:fontRef>
+        </p:style>
+        <p:txBody>
+          <a:bodyPr rtlCol="0" anchor="ctr"/>
+          <a:lstStyle/>
+          <a:p>
+            <a:pPr algn="ctr"/>
+            <a:endParaRPr lang="en-US"/>
+          </a:p>
+        </p:txBody>
+      </p:sp>
+      <p:sp>
+        <p:nvSpPr>
+          <p:cNvPr id="47" name="Isosceles Triangle 46"/>
+          <p:cNvSpPr/>
+          <p:nvPr/>
+        </p:nvSpPr>
+        <p:spPr>
+          <a:xfrm>
+            <a:off x="4758425" y="2802954"/>
+            <a:ext cx="152400" cy="152400"/>
+          </a:xfrm>
+          <a:prstGeom prst="triangle">
+            <a:avLst/>
+          </a:prstGeom>
+          <a:noFill/>
+          <a:ln>
+            <a:solidFill>
+              <a:srgbClr val="FF0000"/>
+            </a:solidFill>
+          </a:ln>
+          <a:effectLst/>
+        </p:spPr>
+        <p:style>
+          <a:lnRef idx="1">
+            <a:schemeClr val="accent1"/>
+          </a:lnRef>
+          <a:fillRef idx="3">
+            <a:schemeClr val="accent1"/>
+          </a:fillRef>
+          <a:effectRef idx="2">
+            <a:schemeClr val="accent1"/>
+          </a:effectRef>
+          <a:fontRef idx="minor">
+            <a:schemeClr val="lt1"/>
+          </a:fontRef>
+        </p:style>
+        <p:txBody>
+          <a:bodyPr rtlCol="0" anchor="ctr"/>
+          <a:lstStyle/>
+          <a:p>
+            <a:pPr algn="ctr"/>
+            <a:endParaRPr lang="en-US"/>
+          </a:p>
+        </p:txBody>
+      </p:sp>
+      <p:sp>
+        <p:nvSpPr>
+          <p:cNvPr id="48" name="Isosceles Triangle 47"/>
+          <p:cNvSpPr/>
+          <p:nvPr/>
+        </p:nvSpPr>
+        <p:spPr>
+          <a:xfrm>
+            <a:off x="4910825" y="2955354"/>
+            <a:ext cx="152400" cy="152400"/>
+          </a:xfrm>
+          <a:prstGeom prst="triangle">
+            <a:avLst/>
+          </a:prstGeom>
+          <a:noFill/>
+          <a:ln>
+            <a:solidFill>
+              <a:srgbClr val="FF0000"/>
+            </a:solidFill>
+          </a:ln>
+          <a:effectLst/>
+        </p:spPr>
+        <p:style>
+          <a:lnRef idx="1">
+            <a:schemeClr val="accent1"/>
+          </a:lnRef>
+          <a:fillRef idx="3">
+            <a:schemeClr val="accent1"/>
+          </a:fillRef>
+          <a:effectRef idx="2">
+            <a:schemeClr val="accent1"/>
+          </a:effectRef>
+          <a:fontRef idx="minor">
+            <a:schemeClr val="lt1"/>
+          </a:fontRef>
+        </p:style>
+        <p:txBody>
+          <a:bodyPr rtlCol="0" anchor="ctr"/>
+          <a:lstStyle/>
+          <a:p>
+            <a:pPr algn="ctr"/>
+            <a:endParaRPr lang="en-US"/>
+          </a:p>
+        </p:txBody>
+      </p:sp>
+      <p:sp>
+        <p:nvSpPr>
+          <p:cNvPr id="49" name="Isosceles Triangle 48"/>
+          <p:cNvSpPr/>
+          <p:nvPr/>
+        </p:nvSpPr>
+        <p:spPr>
+          <a:xfrm>
+            <a:off x="4221065" y="3031554"/>
+            <a:ext cx="152400" cy="152400"/>
+          </a:xfrm>
+          <a:prstGeom prst="triangle">
+            <a:avLst/>
+          </a:prstGeom>
+          <a:noFill/>
+          <a:ln>
+            <a:solidFill>
+              <a:srgbClr val="FF0000"/>
+            </a:solidFill>
+          </a:ln>
+          <a:effectLst/>
+        </p:spPr>
+        <p:style>
+          <a:lnRef idx="1">
+            <a:schemeClr val="accent1"/>
+          </a:lnRef>
+          <a:fillRef idx="3">
+            <a:schemeClr val="accent1"/>
+          </a:fillRef>
+          <a:effectRef idx="2">
+            <a:schemeClr val="accent1"/>
+          </a:effectRef>
+          <a:fontRef idx="minor">
+            <a:schemeClr val="lt1"/>
+          </a:fontRef>
+        </p:style>
+        <p:txBody>
+          <a:bodyPr rtlCol="0" anchor="ctr"/>
+          <a:lstStyle/>
+          <a:p>
+            <a:pPr algn="ctr"/>
+            <a:endParaRPr lang="en-US"/>
+          </a:p>
+        </p:txBody>
+      </p:sp>
+      <p:sp>
+        <p:nvSpPr>
+          <p:cNvPr id="50" name="Isosceles Triangle 49"/>
+          <p:cNvSpPr/>
+          <p:nvPr/>
+        </p:nvSpPr>
+        <p:spPr>
+          <a:xfrm>
+            <a:off x="4067625" y="2736041"/>
+            <a:ext cx="152400" cy="152400"/>
+          </a:xfrm>
+          <a:prstGeom prst="triangle">
+            <a:avLst/>
+          </a:prstGeom>
+          <a:noFill/>
+          <a:ln>
+            <a:solidFill>
+              <a:srgbClr val="FF0000"/>
+            </a:solidFill>
+          </a:ln>
+          <a:effectLst/>
+        </p:spPr>
+        <p:style>
+          <a:lnRef idx="1">
+            <a:schemeClr val="accent1"/>
+          </a:lnRef>
+          <a:fillRef idx="3">
+            <a:schemeClr val="accent1"/>
+          </a:fillRef>
+          <a:effectRef idx="2">
+            <a:schemeClr val="accent1"/>
+          </a:effectRef>
+          <a:fontRef idx="minor">
+            <a:schemeClr val="lt1"/>
+          </a:fontRef>
+        </p:style>
+        <p:txBody>
+          <a:bodyPr rtlCol="0" anchor="ctr"/>
+          <a:lstStyle/>
+          <a:p>
+            <a:pPr algn="ctr"/>
+            <a:endParaRPr lang="en-US"/>
+          </a:p>
+        </p:txBody>
+      </p:sp>
+      <p:sp>
+        <p:nvSpPr>
+          <p:cNvPr id="51" name="Isosceles Triangle 50"/>
+          <p:cNvSpPr/>
+          <p:nvPr/>
+        </p:nvSpPr>
+        <p:spPr>
+          <a:xfrm>
+            <a:off x="4619417" y="2797626"/>
+            <a:ext cx="152400" cy="152400"/>
+          </a:xfrm>
+          <a:prstGeom prst="triangle">
+            <a:avLst/>
+          </a:prstGeom>
+          <a:noFill/>
+          <a:ln>
+            <a:solidFill>
+              <a:srgbClr val="FF0000"/>
+            </a:solidFill>
+          </a:ln>
+          <a:effectLst/>
+        </p:spPr>
+        <p:style>
+          <a:lnRef idx="1">
+            <a:schemeClr val="accent1"/>
+          </a:lnRef>
+          <a:fillRef idx="3">
+            <a:schemeClr val="accent1"/>
+          </a:fillRef>
+          <a:effectRef idx="2">
+            <a:schemeClr val="accent1"/>
+          </a:effectRef>
+          <a:fontRef idx="minor">
+            <a:schemeClr val="lt1"/>
+          </a:fontRef>
+        </p:style>
+        <p:txBody>
+          <a:bodyPr rtlCol="0" anchor="ctr"/>
+          <a:lstStyle/>
+          <a:p>
+            <a:pPr algn="ctr"/>
+            <a:endParaRPr lang="en-US"/>
+          </a:p>
+        </p:txBody>
+      </p:sp>
+      <p:sp>
+        <p:nvSpPr>
+          <p:cNvPr id="52" name="Isosceles Triangle 51"/>
+          <p:cNvSpPr/>
+          <p:nvPr/>
+        </p:nvSpPr>
+        <p:spPr>
+          <a:xfrm>
+            <a:off x="4771817" y="2950026"/>
+            <a:ext cx="152400" cy="152400"/>
+          </a:xfrm>
+          <a:prstGeom prst="triangle">
+            <a:avLst/>
+          </a:prstGeom>
+          <a:noFill/>
+          <a:ln>
+            <a:solidFill>
+              <a:srgbClr val="FF0000"/>
+            </a:solidFill>
+          </a:ln>
+          <a:effectLst/>
+        </p:spPr>
+        <p:style>
+          <a:lnRef idx="1">
+            <a:schemeClr val="accent1"/>
+          </a:lnRef>
+          <a:fillRef idx="3">
+            <a:schemeClr val="accent1"/>
+          </a:fillRef>
+          <a:effectRef idx="2">
+            <a:schemeClr val="accent1"/>
+          </a:effectRef>
+          <a:fontRef idx="minor">
+            <a:schemeClr val="lt1"/>
+          </a:fontRef>
+        </p:style>
+        <p:txBody>
+          <a:bodyPr rtlCol="0" anchor="ctr"/>
+          <a:lstStyle/>
+          <a:p>
+            <a:pPr algn="ctr"/>
+            <a:endParaRPr lang="en-US"/>
+          </a:p>
+        </p:txBody>
+      </p:sp>
+      <p:sp>
+        <p:nvSpPr>
+          <p:cNvPr id="53" name="Isosceles Triangle 52"/>
+          <p:cNvSpPr/>
+          <p:nvPr/>
+        </p:nvSpPr>
+        <p:spPr>
+          <a:xfrm>
+            <a:off x="4924217" y="3102426"/>
+            <a:ext cx="152400" cy="152400"/>
+          </a:xfrm>
+          <a:prstGeom prst="triangle">
+            <a:avLst/>
+          </a:prstGeom>
+          <a:noFill/>
+          <a:ln>
+            <a:solidFill>
+              <a:srgbClr val="FF0000"/>
+            </a:solidFill>
+          </a:ln>
+          <a:effectLst/>
+        </p:spPr>
+        <p:style>
+          <a:lnRef idx="1">
+            <a:schemeClr val="accent1"/>
+          </a:lnRef>
+          <a:fillRef idx="3">
+            <a:schemeClr val="accent1"/>
+          </a:fillRef>
+          <a:effectRef idx="2">
+            <a:schemeClr val="accent1"/>
+          </a:effectRef>
+          <a:fontRef idx="minor">
+            <a:schemeClr val="lt1"/>
+          </a:fontRef>
+        </p:style>
+        <p:txBody>
+          <a:bodyPr rtlCol="0" anchor="ctr"/>
+          <a:lstStyle/>
+          <a:p>
+            <a:pPr algn="ctr"/>
+            <a:endParaRPr lang="en-US"/>
+          </a:p>
+        </p:txBody>
+      </p:sp>
+      <p:sp>
+        <p:nvSpPr>
+          <p:cNvPr id="54" name="Isosceles Triangle 53"/>
+          <p:cNvSpPr/>
+          <p:nvPr/>
+        </p:nvSpPr>
+        <p:spPr>
+          <a:xfrm>
+            <a:off x="4208564" y="1961918"/>
+            <a:ext cx="162203" cy="139830"/>
+          </a:xfrm>
+          <a:prstGeom prst="triangle">
+            <a:avLst/>
+          </a:prstGeom>
+          <a:noFill/>
+          <a:ln>
+            <a:solidFill>
+              <a:srgbClr val="FF0000"/>
+            </a:solidFill>
+          </a:ln>
+          <a:effectLst/>
+        </p:spPr>
+        <p:style>
+          <a:lnRef idx="1">
+            <a:schemeClr val="accent1"/>
+          </a:lnRef>
+          <a:fillRef idx="3">
+            <a:schemeClr val="accent1"/>
+          </a:fillRef>
+          <a:effectRef idx="2">
+            <a:schemeClr val="accent1"/>
+          </a:effectRef>
+          <a:fontRef idx="minor">
+            <a:schemeClr val="lt1"/>
+          </a:fontRef>
+        </p:style>
+        <p:txBody>
+          <a:bodyPr rtlCol="0" anchor="ctr"/>
+          <a:lstStyle/>
+          <a:p>
+            <a:pPr algn="ctr"/>
+            <a:endParaRPr lang="en-US"/>
+          </a:p>
+        </p:txBody>
+      </p:sp>
+      <p:sp>
+        <p:nvSpPr>
+          <p:cNvPr id="55" name="Isosceles Triangle 54"/>
+          <p:cNvSpPr/>
+          <p:nvPr/>
+        </p:nvSpPr>
+        <p:spPr>
+          <a:xfrm>
+            <a:off x="4360073" y="1722834"/>
+            <a:ext cx="152400" cy="152400"/>
+          </a:xfrm>
+          <a:prstGeom prst="triangle">
+            <a:avLst/>
+          </a:prstGeom>
+          <a:noFill/>
+          <a:ln>
+            <a:solidFill>
+              <a:srgbClr val="FF0000"/>
+            </a:solidFill>
+          </a:ln>
+          <a:effectLst/>
+        </p:spPr>
+        <p:style>
+          <a:lnRef idx="1">
+            <a:schemeClr val="accent1"/>
+          </a:lnRef>
+          <a:fillRef idx="3">
+            <a:schemeClr val="accent1"/>
+          </a:fillRef>
+          <a:effectRef idx="2">
+            <a:schemeClr val="accent1"/>
+          </a:effectRef>
+          <a:fontRef idx="minor">
+            <a:schemeClr val="lt1"/>
+          </a:fontRef>
+        </p:style>
+        <p:txBody>
+          <a:bodyPr rtlCol="0" anchor="ctr"/>
+          <a:lstStyle/>
+          <a:p>
+            <a:pPr algn="ctr"/>
+            <a:endParaRPr lang="en-US"/>
+          </a:p>
+        </p:txBody>
+      </p:sp>
+      <p:sp>
+        <p:nvSpPr>
+          <p:cNvPr id="56" name="Isosceles Triangle 55"/>
+          <p:cNvSpPr/>
+          <p:nvPr/>
+        </p:nvSpPr>
+        <p:spPr>
+          <a:xfrm>
+            <a:off x="4512473" y="1875234"/>
+            <a:ext cx="152400" cy="152400"/>
+          </a:xfrm>
+          <a:prstGeom prst="triangle">
+            <a:avLst/>
+          </a:prstGeom>
+          <a:noFill/>
+          <a:ln>
+            <a:solidFill>
+              <a:srgbClr val="FF0000"/>
+            </a:solidFill>
+          </a:ln>
+          <a:effectLst/>
+        </p:spPr>
+        <p:style>
+          <a:lnRef idx="1">
+            <a:schemeClr val="accent1"/>
+          </a:lnRef>
+          <a:fillRef idx="3">
+            <a:schemeClr val="accent1"/>
+          </a:fillRef>
+          <a:effectRef idx="2">
+            <a:schemeClr val="accent1"/>
+          </a:effectRef>
+          <a:fontRef idx="minor">
+            <a:schemeClr val="lt1"/>
+          </a:fontRef>
+        </p:style>
+        <p:txBody>
+          <a:bodyPr rtlCol="0" anchor="ctr"/>
+          <a:lstStyle/>
+          <a:p>
+            <a:pPr algn="ctr"/>
+            <a:endParaRPr lang="en-US"/>
+          </a:p>
+        </p:txBody>
+      </p:sp>
+      <p:sp>
+        <p:nvSpPr>
+          <p:cNvPr id="57" name="Isosceles Triangle 56"/>
+          <p:cNvSpPr/>
+          <p:nvPr/>
+        </p:nvSpPr>
+        <p:spPr>
+          <a:xfrm>
+            <a:off x="4221065" y="1717506"/>
+            <a:ext cx="152400" cy="152400"/>
+          </a:xfrm>
+          <a:prstGeom prst="triangle">
+            <a:avLst/>
+          </a:prstGeom>
+          <a:noFill/>
+          <a:ln>
+            <a:solidFill>
+              <a:srgbClr val="FF0000"/>
+            </a:solidFill>
+          </a:ln>
+          <a:effectLst/>
+        </p:spPr>
+        <p:style>
+          <a:lnRef idx="1">
+            <a:schemeClr val="accent1"/>
+          </a:lnRef>
+          <a:fillRef idx="3">
+            <a:schemeClr val="accent1"/>
+          </a:fillRef>
+          <a:effectRef idx="2">
+            <a:schemeClr val="accent1"/>
+          </a:effectRef>
+          <a:fontRef idx="minor">
+            <a:schemeClr val="lt1"/>
+          </a:fontRef>
+        </p:style>
+        <p:txBody>
+          <a:bodyPr rtlCol="0" anchor="ctr"/>
+          <a:lstStyle/>
+          <a:p>
+            <a:pPr algn="ctr"/>
+            <a:endParaRPr lang="en-US"/>
+          </a:p>
+        </p:txBody>
+      </p:sp>
+      <p:sp>
+        <p:nvSpPr>
+          <p:cNvPr id="58" name="Isosceles Triangle 57"/>
+          <p:cNvSpPr/>
+          <p:nvPr/>
+        </p:nvSpPr>
+        <p:spPr>
+          <a:xfrm>
+            <a:off x="4489292" y="2429798"/>
+            <a:ext cx="162203" cy="139830"/>
+          </a:xfrm>
+          <a:prstGeom prst="triangle">
+            <a:avLst/>
+          </a:prstGeom>
+          <a:noFill/>
+          <a:ln>
+            <a:solidFill>
+              <a:srgbClr val="FF0000"/>
+            </a:solidFill>
+          </a:ln>
+          <a:effectLst/>
+        </p:spPr>
+        <p:style>
+          <a:lnRef idx="1">
+            <a:schemeClr val="accent1"/>
+          </a:lnRef>
+          <a:fillRef idx="3">
+            <a:schemeClr val="accent1"/>
+          </a:fillRef>
+          <a:effectRef idx="2">
+            <a:schemeClr val="accent1"/>
+          </a:effectRef>
+          <a:fontRef idx="minor">
+            <a:schemeClr val="lt1"/>
+          </a:fontRef>
+        </p:style>
+        <p:txBody>
+          <a:bodyPr rtlCol="0" anchor="ctr"/>
+          <a:lstStyle/>
+          <a:p>
+            <a:pPr algn="ctr"/>
+            <a:endParaRPr lang="en-US"/>
+          </a:p>
+        </p:txBody>
+      </p:sp>
+      <p:sp>
+        <p:nvSpPr>
+          <p:cNvPr id="59" name="Isosceles Triangle 58"/>
+          <p:cNvSpPr/>
+          <p:nvPr/>
+        </p:nvSpPr>
+        <p:spPr>
+          <a:xfrm>
+            <a:off x="4793201" y="2343114"/>
+            <a:ext cx="152400" cy="152400"/>
+          </a:xfrm>
+          <a:prstGeom prst="triangle">
+            <a:avLst/>
+          </a:prstGeom>
+          <a:noFill/>
+          <a:ln>
+            <a:solidFill>
+              <a:srgbClr val="FF0000"/>
+            </a:solidFill>
+          </a:ln>
+          <a:effectLst/>
+        </p:spPr>
+        <p:style>
+          <a:lnRef idx="1">
+            <a:schemeClr val="accent1"/>
+          </a:lnRef>
+          <a:fillRef idx="3">
+            <a:schemeClr val="accent1"/>
+          </a:fillRef>
+          <a:effectRef idx="2">
+            <a:schemeClr val="accent1"/>
+          </a:effectRef>
+          <a:fontRef idx="minor">
+            <a:schemeClr val="lt1"/>
+          </a:fontRef>
+        </p:style>
+        <p:txBody>
+          <a:bodyPr rtlCol="0" anchor="ctr"/>
+          <a:lstStyle/>
+          <a:p>
+            <a:pPr algn="ctr"/>
+            <a:endParaRPr lang="en-US"/>
+          </a:p>
+        </p:txBody>
+      </p:sp>
+      <p:sp>
+        <p:nvSpPr>
+          <p:cNvPr id="60" name="Oval 59"/>
+          <p:cNvSpPr/>
+          <p:nvPr/>
+        </p:nvSpPr>
+        <p:spPr>
+          <a:xfrm>
+            <a:off x="2871695" y="1547449"/>
+            <a:ext cx="200526" cy="200526"/>
+          </a:xfrm>
+          <a:prstGeom prst="ellipse">
+            <a:avLst/>
+          </a:prstGeom>
+          <a:noFill/>
+          <a:ln>
+            <a:solidFill>
+              <a:srgbClr val="0000FF"/>
+            </a:solidFill>
+          </a:ln>
+          <a:effectLst/>
+        </p:spPr>
+        <p:style>
+          <a:lnRef idx="1">
+            <a:schemeClr val="accent1"/>
+          </a:lnRef>
+          <a:fillRef idx="3">
+            <a:schemeClr val="accent1"/>
+          </a:fillRef>
+          <a:effectRef idx="2">
+            <a:schemeClr val="accent1"/>
+          </a:effectRef>
+          <a:fontRef idx="minor">
+            <a:schemeClr val="lt1"/>
+          </a:fontRef>
+        </p:style>
+        <p:txBody>
+          <a:bodyPr rtlCol="0" anchor="ctr"/>
+          <a:lstStyle/>
+          <a:p>
+            <a:pPr algn="ctr"/>
+            <a:endParaRPr lang="en-US"/>
+          </a:p>
+        </p:txBody>
+      </p:sp>
+      <p:sp>
+        <p:nvSpPr>
+          <p:cNvPr id="61" name="Oval 60"/>
+          <p:cNvSpPr/>
+          <p:nvPr/>
+        </p:nvSpPr>
+        <p:spPr>
+          <a:xfrm>
+            <a:off x="3032115" y="1975987"/>
+            <a:ext cx="200526" cy="200526"/>
+          </a:xfrm>
+          <a:prstGeom prst="ellipse">
+            <a:avLst/>
+          </a:prstGeom>
+          <a:noFill/>
+          <a:ln>
+            <a:solidFill>
+              <a:srgbClr val="0000FF"/>
+            </a:solidFill>
+          </a:ln>
+          <a:effectLst/>
+        </p:spPr>
+        <p:style>
+          <a:lnRef idx="1">
+            <a:schemeClr val="accent1"/>
+          </a:lnRef>
+          <a:fillRef idx="3">
+            <a:schemeClr val="accent1"/>
+          </a:fillRef>
+          <a:effectRef idx="2">
+            <a:schemeClr val="accent1"/>
+          </a:effectRef>
+          <a:fontRef idx="minor">
+            <a:schemeClr val="lt1"/>
+          </a:fontRef>
+        </p:style>
+        <p:txBody>
+          <a:bodyPr rtlCol="0" anchor="ctr"/>
+          <a:lstStyle/>
+          <a:p>
+            <a:pPr algn="ctr"/>
+            <a:endParaRPr lang="en-US"/>
+          </a:p>
+        </p:txBody>
+      </p:sp>
+      <p:sp>
+        <p:nvSpPr>
+          <p:cNvPr id="62" name="Oval 61"/>
+          <p:cNvSpPr/>
+          <p:nvPr/>
+        </p:nvSpPr>
+        <p:spPr>
+          <a:xfrm>
+            <a:off x="2963946" y="1767439"/>
+            <a:ext cx="200526" cy="200526"/>
+          </a:xfrm>
+          <a:prstGeom prst="ellipse">
+            <a:avLst/>
+          </a:prstGeom>
+          <a:noFill/>
+          <a:ln>
+            <a:solidFill>
+              <a:srgbClr val="0000FF"/>
+            </a:solidFill>
+          </a:ln>
+          <a:effectLst/>
+        </p:spPr>
+        <p:style>
+          <a:lnRef idx="1">
+            <a:schemeClr val="accent1"/>
+          </a:lnRef>
+          <a:fillRef idx="3">
+            <a:schemeClr val="accent1"/>
+          </a:fillRef>
+          <a:effectRef idx="2">
+            <a:schemeClr val="accent1"/>
+          </a:effectRef>
+          <a:fontRef idx="minor">
+            <a:schemeClr val="lt1"/>
+          </a:fontRef>
+        </p:style>
+        <p:txBody>
+          <a:bodyPr rtlCol="0" anchor="ctr"/>
+          <a:lstStyle/>
+          <a:p>
+            <a:pPr algn="ctr"/>
+            <a:endParaRPr lang="en-US"/>
+          </a:p>
+        </p:txBody>
+      </p:sp>
+      <p:sp>
+        <p:nvSpPr>
+          <p:cNvPr id="63" name="Oval 62"/>
+          <p:cNvSpPr/>
+          <p:nvPr/>
+        </p:nvSpPr>
+        <p:spPr>
+          <a:xfrm>
+            <a:off x="3024095" y="1699849"/>
+            <a:ext cx="200526" cy="200526"/>
+          </a:xfrm>
+          <a:prstGeom prst="ellipse">
+            <a:avLst/>
+          </a:prstGeom>
+          <a:noFill/>
+          <a:ln>
+            <a:solidFill>
+              <a:srgbClr val="0000FF"/>
+            </a:solidFill>
+          </a:ln>
+          <a:effectLst/>
+        </p:spPr>
+        <p:style>
+          <a:lnRef idx="1">
+            <a:schemeClr val="accent1"/>
+          </a:lnRef>
+          <a:fillRef idx="3">
+            <a:schemeClr val="accent1"/>
+          </a:fillRef>
+          <a:effectRef idx="2">
+            <a:schemeClr val="accent1"/>
+          </a:effectRef>
+          <a:fontRef idx="minor">
+            <a:schemeClr val="lt1"/>
+          </a:fontRef>
+        </p:style>
+        <p:txBody>
+          <a:bodyPr rtlCol="0" anchor="ctr"/>
+          <a:lstStyle/>
+          <a:p>
+            <a:pPr algn="ctr"/>
+            <a:endParaRPr lang="en-US"/>
+          </a:p>
+        </p:txBody>
+      </p:sp>
+      <p:sp>
+        <p:nvSpPr>
+          <p:cNvPr id="64" name="Oval 63"/>
+          <p:cNvSpPr/>
+          <p:nvPr/>
+        </p:nvSpPr>
+        <p:spPr>
+          <a:xfrm>
+            <a:off x="3184515" y="2128387"/>
+            <a:ext cx="200526" cy="200526"/>
+          </a:xfrm>
+          <a:prstGeom prst="ellipse">
+            <a:avLst/>
+          </a:prstGeom>
+          <a:noFill/>
+          <a:ln>
+            <a:solidFill>
+              <a:srgbClr val="0000FF"/>
+            </a:solidFill>
+          </a:ln>
+          <a:effectLst/>
+        </p:spPr>
+        <p:style>
+          <a:lnRef idx="1">
+            <a:schemeClr val="accent1"/>
+          </a:lnRef>
+          <a:fillRef idx="3">
+            <a:schemeClr val="accent1"/>
+          </a:fillRef>
+          <a:effectRef idx="2">
+            <a:schemeClr val="accent1"/>
+          </a:effectRef>
+          <a:fontRef idx="minor">
+            <a:schemeClr val="lt1"/>
+          </a:fontRef>
+        </p:style>
+        <p:txBody>
+          <a:bodyPr rtlCol="0" anchor="ctr"/>
+          <a:lstStyle/>
+          <a:p>
+            <a:pPr algn="ctr"/>
+            <a:endParaRPr lang="en-US"/>
+          </a:p>
+        </p:txBody>
+      </p:sp>
+      <p:sp>
+        <p:nvSpPr>
+          <p:cNvPr id="65" name="Oval 64"/>
+          <p:cNvSpPr/>
+          <p:nvPr/>
+        </p:nvSpPr>
+        <p:spPr>
+          <a:xfrm>
+            <a:off x="3437178" y="1893103"/>
+            <a:ext cx="200526" cy="200526"/>
+          </a:xfrm>
+          <a:prstGeom prst="ellipse">
+            <a:avLst/>
+          </a:prstGeom>
+          <a:noFill/>
+          <a:ln>
+            <a:solidFill>
+              <a:srgbClr val="0000FF"/>
+            </a:solidFill>
+          </a:ln>
+          <a:effectLst/>
+        </p:spPr>
+        <p:style>
+          <a:lnRef idx="1">
+            <a:schemeClr val="accent1"/>
+          </a:lnRef>
+          <a:fillRef idx="3">
+            <a:schemeClr val="accent1"/>
+          </a:fillRef>
+          <a:effectRef idx="2">
+            <a:schemeClr val="accent1"/>
+          </a:effectRef>
+          <a:fontRef idx="minor">
+            <a:schemeClr val="lt1"/>
+          </a:fontRef>
+        </p:style>
+        <p:txBody>
+          <a:bodyPr rtlCol="0" anchor="ctr"/>
+          <a:lstStyle/>
+          <a:p>
+            <a:pPr algn="ctr"/>
+            <a:endParaRPr lang="en-US"/>
+          </a:p>
+        </p:txBody>
+      </p:sp>
+      <p:sp>
+        <p:nvSpPr>
+          <p:cNvPr id="66" name="Oval 65"/>
+          <p:cNvSpPr/>
+          <p:nvPr/>
+        </p:nvSpPr>
+        <p:spPr>
+          <a:xfrm>
+            <a:off x="3176495" y="1852249"/>
+            <a:ext cx="200526" cy="200526"/>
+          </a:xfrm>
+          <a:prstGeom prst="ellipse">
+            <a:avLst/>
+          </a:prstGeom>
+          <a:noFill/>
+          <a:ln>
+            <a:solidFill>
+              <a:srgbClr val="0000FF"/>
+            </a:solidFill>
+          </a:ln>
+          <a:effectLst/>
+        </p:spPr>
+        <p:style>
+          <a:lnRef idx="1">
+            <a:schemeClr val="accent1"/>
+          </a:lnRef>
+          <a:fillRef idx="3">
+            <a:schemeClr val="accent1"/>
+          </a:fillRef>
+          <a:effectRef idx="2">
+            <a:schemeClr val="accent1"/>
+          </a:effectRef>
+          <a:fontRef idx="minor">
+            <a:schemeClr val="lt1"/>
+          </a:fontRef>
+        </p:style>
+        <p:txBody>
+          <a:bodyPr rtlCol="0" anchor="ctr"/>
+          <a:lstStyle/>
+          <a:p>
+            <a:pPr algn="ctr"/>
+            <a:endParaRPr lang="en-US"/>
+          </a:p>
+        </p:txBody>
+      </p:sp>
+      <p:sp>
+        <p:nvSpPr>
+          <p:cNvPr id="67" name="Oval 66"/>
+          <p:cNvSpPr/>
+          <p:nvPr/>
+        </p:nvSpPr>
+        <p:spPr>
+          <a:xfrm>
+            <a:off x="3336915" y="2280787"/>
+            <a:ext cx="200526" cy="200526"/>
+          </a:xfrm>
+          <a:prstGeom prst="ellipse">
+            <a:avLst/>
+          </a:prstGeom>
+          <a:noFill/>
+          <a:ln>
+            <a:solidFill>
+              <a:srgbClr val="0000FF"/>
+            </a:solidFill>
+          </a:ln>
+          <a:effectLst/>
+        </p:spPr>
+        <p:style>
+          <a:lnRef idx="1">
+            <a:schemeClr val="accent1"/>
+          </a:lnRef>
+          <a:fillRef idx="3">
+            <a:schemeClr val="accent1"/>
+          </a:fillRef>
+          <a:effectRef idx="2">
+            <a:schemeClr val="accent1"/>
+          </a:effectRef>
+          <a:fontRef idx="minor">
+            <a:schemeClr val="lt1"/>
+          </a:fontRef>
+        </p:style>
+        <p:txBody>
+          <a:bodyPr rtlCol="0" anchor="ctr"/>
+          <a:lstStyle/>
+          <a:p>
+            <a:pPr algn="ctr"/>
+            <a:endParaRPr lang="en-US"/>
+          </a:p>
+        </p:txBody>
+      </p:sp>
+      <p:sp>
+        <p:nvSpPr>
+          <p:cNvPr id="68" name="Oval 67"/>
+          <p:cNvSpPr/>
+          <p:nvPr/>
+        </p:nvSpPr>
+        <p:spPr>
+          <a:xfrm>
+            <a:off x="3589578" y="2045503"/>
+            <a:ext cx="200526" cy="200526"/>
+          </a:xfrm>
+          <a:prstGeom prst="ellipse">
+            <a:avLst/>
+          </a:prstGeom>
+          <a:noFill/>
+          <a:ln>
+            <a:solidFill>
+              <a:srgbClr val="0000FF"/>
+            </a:solidFill>
+          </a:ln>
+          <a:effectLst/>
+        </p:spPr>
+        <p:style>
+          <a:lnRef idx="1">
+            <a:schemeClr val="accent1"/>
+          </a:lnRef>
+          <a:fillRef idx="3">
+            <a:schemeClr val="accent1"/>
+          </a:fillRef>
+          <a:effectRef idx="2">
+            <a:schemeClr val="accent1"/>
+          </a:effectRef>
+          <a:fontRef idx="minor">
+            <a:schemeClr val="lt1"/>
+          </a:fontRef>
+        </p:style>
+        <p:txBody>
+          <a:bodyPr rtlCol="0" anchor="ctr"/>
+          <a:lstStyle/>
+          <a:p>
+            <a:pPr algn="ctr"/>
+            <a:endParaRPr lang="en-US"/>
+          </a:p>
+        </p:txBody>
+      </p:sp>
+      <p:sp>
+        <p:nvSpPr>
+          <p:cNvPr id="69" name="Oval 68"/>
+          <p:cNvSpPr/>
+          <p:nvPr/>
+        </p:nvSpPr>
+        <p:spPr>
+          <a:xfrm>
+            <a:off x="4494593" y="3331524"/>
+            <a:ext cx="200526" cy="200526"/>
+          </a:xfrm>
+          <a:prstGeom prst="ellipse">
+            <a:avLst/>
+          </a:prstGeom>
+          <a:noFill/>
+          <a:ln>
+            <a:solidFill>
+              <a:srgbClr val="0000FF"/>
+            </a:solidFill>
+          </a:ln>
+          <a:effectLst/>
+        </p:spPr>
+        <p:style>
+          <a:lnRef idx="1">
+            <a:schemeClr val="accent1"/>
+          </a:lnRef>
+          <a:fillRef idx="3">
+            <a:schemeClr val="accent1"/>
+          </a:fillRef>
+          <a:effectRef idx="2">
+            <a:schemeClr val="accent1"/>
+          </a:effectRef>
+          <a:fontRef idx="minor">
+            <a:schemeClr val="lt1"/>
+          </a:fontRef>
+        </p:style>
+        <p:txBody>
+          <a:bodyPr rtlCol="0" anchor="ctr"/>
+          <a:lstStyle/>
+          <a:p>
+            <a:pPr algn="ctr"/>
+            <a:endParaRPr lang="en-US"/>
+          </a:p>
+        </p:txBody>
+      </p:sp>
+      <p:sp>
+        <p:nvSpPr>
+          <p:cNvPr id="70" name="Oval 69"/>
+          <p:cNvSpPr/>
+          <p:nvPr/>
+        </p:nvSpPr>
+        <p:spPr>
+          <a:xfrm>
+            <a:off x="4620257" y="3457188"/>
+            <a:ext cx="200526" cy="200526"/>
+          </a:xfrm>
+          <a:prstGeom prst="ellipse">
+            <a:avLst/>
+          </a:prstGeom>
+          <a:noFill/>
+          <a:ln>
+            <a:solidFill>
+              <a:srgbClr val="0000FF"/>
+            </a:solidFill>
+          </a:ln>
+          <a:effectLst/>
+        </p:spPr>
+        <p:style>
+          <a:lnRef idx="1">
+            <a:schemeClr val="accent1"/>
+          </a:lnRef>
+          <a:fillRef idx="3">
+            <a:schemeClr val="accent1"/>
+          </a:fillRef>
+          <a:effectRef idx="2">
+            <a:schemeClr val="accent1"/>
+          </a:effectRef>
+          <a:fontRef idx="minor">
+            <a:schemeClr val="lt1"/>
+          </a:fontRef>
+        </p:style>
+        <p:txBody>
+          <a:bodyPr rtlCol="0" anchor="ctr"/>
+          <a:lstStyle/>
+          <a:p>
+            <a:pPr algn="ctr"/>
+            <a:endParaRPr lang="en-US"/>
+          </a:p>
+        </p:txBody>
+      </p:sp>
+      <p:sp>
+        <p:nvSpPr>
+          <p:cNvPr id="71" name="Isosceles Triangle 70"/>
+          <p:cNvSpPr/>
+          <p:nvPr/>
+        </p:nvSpPr>
+        <p:spPr>
+          <a:xfrm>
+            <a:off x="4354721" y="2800290"/>
+            <a:ext cx="152400" cy="152400"/>
+          </a:xfrm>
+          <a:prstGeom prst="triangle">
+            <a:avLst/>
+          </a:prstGeom>
+          <a:noFill/>
+          <a:ln>
+            <a:solidFill>
+              <a:srgbClr val="FF0000"/>
+            </a:solidFill>
+          </a:ln>
+          <a:effectLst/>
+        </p:spPr>
+        <p:style>
+          <a:lnRef idx="1">
+            <a:schemeClr val="accent1"/>
+          </a:lnRef>
+          <a:fillRef idx="3">
+            <a:schemeClr val="accent1"/>
+          </a:fillRef>
+          <a:effectRef idx="2">
+            <a:schemeClr val="accent1"/>
+          </a:effectRef>
+          <a:fontRef idx="minor">
+            <a:schemeClr val="lt1"/>
+          </a:fontRef>
+        </p:style>
+        <p:txBody>
+          <a:bodyPr rtlCol="0" anchor="ctr"/>
+          <a:lstStyle/>
+          <a:p>
+            <a:pPr algn="ctr"/>
+            <a:endParaRPr lang="en-US"/>
+          </a:p>
+        </p:txBody>
+      </p:sp>
+      <p:sp>
+        <p:nvSpPr>
+          <p:cNvPr id="72" name="Rectangle 71"/>
+          <p:cNvSpPr/>
+          <p:nvPr/>
+        </p:nvSpPr>
+        <p:spPr>
+          <a:xfrm>
+            <a:off x="4373464" y="3254826"/>
+            <a:ext cx="550753" cy="519801"/>
+          </a:xfrm>
+          <a:prstGeom prst="rect">
+            <a:avLst/>
+          </a:prstGeom>
+          <a:noFill/>
+          <a:ln>
+            <a:solidFill>
+              <a:schemeClr val="tx1"/>
+            </a:solidFill>
+            <a:prstDash val="sysDot"/>
+          </a:ln>
+          <a:effectLst/>
+        </p:spPr>
+        <p:style>
+          <a:lnRef idx="1">
+            <a:schemeClr val="accent1"/>
+          </a:lnRef>
+          <a:fillRef idx="3">
+            <a:schemeClr val="accent1"/>
+          </a:fillRef>
+          <a:effectRef idx="2">
+            <a:schemeClr val="accent1"/>
+          </a:effectRef>
+          <a:fontRef idx="minor">
+            <a:schemeClr val="lt1"/>
+          </a:fontRef>
+        </p:style>
+        <p:txBody>
+          <a:bodyPr rtlCol="0" anchor="ctr"/>
+          <a:lstStyle/>
+          <a:p>
+            <a:pPr algn="ctr"/>
+            <a:endParaRPr lang="en-US"/>
+          </a:p>
+        </p:txBody>
+      </p:sp>
+    </p:spTree>
+    <p:extLst>
+      <p:ext uri="{BB962C8B-B14F-4D97-AF65-F5344CB8AC3E}">
+        <p14:creationId xmlns:p14="http://schemas.microsoft.com/office/powerpoint/2010/main" val="2504195287"/>
+      </p:ext>
+    </p:extLst>
+  </p:cSld>
+  <p:clrMapOvr>
+    <a:masterClrMapping/>
+  </p:clrMapOvr>
+</p:sld>
+</file>
+
+<file path=ppt/slides/slide6.xml><?xml version="1.0" encoding="utf-8"?>
 <p:sld xmlns:a="http://schemas.openxmlformats.org/drawingml/2006/main" xmlns:r="http://schemas.openxmlformats.org/officeDocument/2006/relationships" xmlns:p="http://schemas.openxmlformats.org/presentationml/2006/main">
   <p:cSld>
     <p:spTree>
